--- a/SSM_Fa25.pptx
+++ b/SSM_Fa25.pptx
@@ -8,17 +8,14 @@
     <p:sldMasterId id="2147483669" r:id="rId4"/>
   </p:sldMasterIdLst>
   <p:notesMasterIdLst>
-    <p:notesMasterId r:id="rId13"/>
+    <p:notesMasterId r:id="rId10"/>
   </p:notesMasterIdLst>
   <p:sldIdLst>
     <p:sldId id="711" r:id="rId5"/>
-    <p:sldId id="715" r:id="rId6"/>
-    <p:sldId id="712" r:id="rId7"/>
-    <p:sldId id="713" r:id="rId8"/>
-    <p:sldId id="714" r:id="rId9"/>
-    <p:sldId id="710" r:id="rId10"/>
-    <p:sldId id="708" r:id="rId11"/>
-    <p:sldId id="709" r:id="rId12"/>
+    <p:sldId id="714" r:id="rId6"/>
+    <p:sldId id="710" r:id="rId7"/>
+    <p:sldId id="708" r:id="rId8"/>
+    <p:sldId id="709" r:id="rId9"/>
   </p:sldIdLst>
   <p:sldSz cx="9144000" cy="5143500" type="screen16x9"/>
   <p:notesSz cx="6858000" cy="9313863"/>
@@ -153,9 +150,6 @@
         <p14:section name="Untitled Section" id="{3540F3E4-3A56-594D-A98C-62123F4F527F}">
           <p14:sldIdLst>
             <p14:sldId id="711"/>
-            <p14:sldId id="715"/>
-            <p14:sldId id="712"/>
-            <p14:sldId id="713"/>
             <p14:sldId id="714"/>
             <p14:sldId id="710"/>
             <p14:sldId id="708"/>
@@ -357,7 +351,7 @@
               <a:pPr>
                 <a:defRPr/>
               </a:pPr>
-              <a:t>5/4/23</a:t>
+              <a:t>11/30/25</a:t>
             </a:fld>
             <a:endParaRPr lang="en-US"/>
           </a:p>
@@ -861,276 +855,6 @@
                 <a:defRPr/>
               </a:pPr>
               <a:t>2</a:t>
-            </a:fld>
-            <a:endParaRPr lang="en-US"/>
-          </a:p>
-        </p:txBody>
-      </p:sp>
-    </p:spTree>
-    <p:extLst>
-      <p:ext uri="{BB962C8B-B14F-4D97-AF65-F5344CB8AC3E}">
-        <p14:creationId xmlns:p14="http://schemas.microsoft.com/office/powerpoint/2010/main" val="945276965"/>
-      </p:ext>
-    </p:extLst>
-  </p:cSld>
-  <p:clrMapOvr>
-    <a:masterClrMapping/>
-  </p:clrMapOvr>
-</p:notes>
-</file>
-
-<file path=ppt/notesSlides/notesSlide3.xml><?xml version="1.0" encoding="utf-8"?>
-<p:notes xmlns:a="http://schemas.openxmlformats.org/drawingml/2006/main" xmlns:r="http://schemas.openxmlformats.org/officeDocument/2006/relationships" xmlns:p="http://schemas.openxmlformats.org/presentationml/2006/main">
-  <p:cSld>
-    <p:spTree>
-      <p:nvGrpSpPr>
-        <p:cNvPr id="1" name=""/>
-        <p:cNvGrpSpPr/>
-        <p:nvPr/>
-      </p:nvGrpSpPr>
-      <p:grpSpPr>
-        <a:xfrm>
-          <a:off x="0" y="0"/>
-          <a:ext cx="0" cy="0"/>
-          <a:chOff x="0" y="0"/>
-          <a:chExt cx="0" cy="0"/>
-        </a:xfrm>
-      </p:grpSpPr>
-      <p:sp>
-        <p:nvSpPr>
-          <p:cNvPr id="2" name="Slide Image Placeholder 1"/>
-          <p:cNvSpPr>
-            <a:spLocks noGrp="1" noRot="1" noChangeAspect="1"/>
-          </p:cNvSpPr>
-          <p:nvPr>
-            <p:ph type="sldImg"/>
-          </p:nvPr>
-        </p:nvSpPr>
-        <p:spPr/>
-      </p:sp>
-      <p:sp>
-        <p:nvSpPr>
-          <p:cNvPr id="3" name="Notes Placeholder 2"/>
-          <p:cNvSpPr>
-            <a:spLocks noGrp="1"/>
-          </p:cNvSpPr>
-          <p:nvPr>
-            <p:ph type="body" idx="1"/>
-          </p:nvPr>
-        </p:nvSpPr>
-        <p:spPr/>
-        <p:txBody>
-          <a:bodyPr/>
-          <a:lstStyle/>
-          <a:p>
-            <a:endParaRPr lang="en-US" dirty="0"/>
-          </a:p>
-        </p:txBody>
-      </p:sp>
-      <p:sp>
-        <p:nvSpPr>
-          <p:cNvPr id="4" name="Slide Number Placeholder 3"/>
-          <p:cNvSpPr>
-            <a:spLocks noGrp="1"/>
-          </p:cNvSpPr>
-          <p:nvPr>
-            <p:ph type="sldNum" sz="quarter" idx="10"/>
-          </p:nvPr>
-        </p:nvSpPr>
-        <p:spPr/>
-        <p:txBody>
-          <a:bodyPr/>
-          <a:lstStyle/>
-          <a:p>
-            <a:pPr>
-              <a:defRPr/>
-            </a:pPr>
-            <a:fld id="{6E074355-CE0D-4C68-A6CB-C364ED71B33B}" type="slidenum">
-              <a:rPr lang="en-US" smtClean="0"/>
-              <a:pPr>
-                <a:defRPr/>
-              </a:pPr>
-              <a:t>3</a:t>
-            </a:fld>
-            <a:endParaRPr lang="en-US"/>
-          </a:p>
-        </p:txBody>
-      </p:sp>
-    </p:spTree>
-    <p:extLst>
-      <p:ext uri="{BB962C8B-B14F-4D97-AF65-F5344CB8AC3E}">
-        <p14:creationId xmlns:p14="http://schemas.microsoft.com/office/powerpoint/2010/main" val="934451539"/>
-      </p:ext>
-    </p:extLst>
-  </p:cSld>
-  <p:clrMapOvr>
-    <a:masterClrMapping/>
-  </p:clrMapOvr>
-</p:notes>
-</file>
-
-<file path=ppt/notesSlides/notesSlide4.xml><?xml version="1.0" encoding="utf-8"?>
-<p:notes xmlns:a="http://schemas.openxmlformats.org/drawingml/2006/main" xmlns:r="http://schemas.openxmlformats.org/officeDocument/2006/relationships" xmlns:p="http://schemas.openxmlformats.org/presentationml/2006/main">
-  <p:cSld>
-    <p:spTree>
-      <p:nvGrpSpPr>
-        <p:cNvPr id="1" name=""/>
-        <p:cNvGrpSpPr/>
-        <p:nvPr/>
-      </p:nvGrpSpPr>
-      <p:grpSpPr>
-        <a:xfrm>
-          <a:off x="0" y="0"/>
-          <a:ext cx="0" cy="0"/>
-          <a:chOff x="0" y="0"/>
-          <a:chExt cx="0" cy="0"/>
-        </a:xfrm>
-      </p:grpSpPr>
-      <p:sp>
-        <p:nvSpPr>
-          <p:cNvPr id="2" name="Slide Image Placeholder 1"/>
-          <p:cNvSpPr>
-            <a:spLocks noGrp="1" noRot="1" noChangeAspect="1"/>
-          </p:cNvSpPr>
-          <p:nvPr>
-            <p:ph type="sldImg"/>
-          </p:nvPr>
-        </p:nvSpPr>
-        <p:spPr/>
-      </p:sp>
-      <p:sp>
-        <p:nvSpPr>
-          <p:cNvPr id="3" name="Notes Placeholder 2"/>
-          <p:cNvSpPr>
-            <a:spLocks noGrp="1"/>
-          </p:cNvSpPr>
-          <p:nvPr>
-            <p:ph type="body" idx="1"/>
-          </p:nvPr>
-        </p:nvSpPr>
-        <p:spPr/>
-        <p:txBody>
-          <a:bodyPr/>
-          <a:lstStyle/>
-          <a:p>
-            <a:endParaRPr lang="en-US" dirty="0"/>
-          </a:p>
-        </p:txBody>
-      </p:sp>
-      <p:sp>
-        <p:nvSpPr>
-          <p:cNvPr id="4" name="Slide Number Placeholder 3"/>
-          <p:cNvSpPr>
-            <a:spLocks noGrp="1"/>
-          </p:cNvSpPr>
-          <p:nvPr>
-            <p:ph type="sldNum" sz="quarter" idx="10"/>
-          </p:nvPr>
-        </p:nvSpPr>
-        <p:spPr/>
-        <p:txBody>
-          <a:bodyPr/>
-          <a:lstStyle/>
-          <a:p>
-            <a:pPr>
-              <a:defRPr/>
-            </a:pPr>
-            <a:fld id="{6E074355-CE0D-4C68-A6CB-C364ED71B33B}" type="slidenum">
-              <a:rPr lang="en-US" smtClean="0"/>
-              <a:pPr>
-                <a:defRPr/>
-              </a:pPr>
-              <a:t>4</a:t>
-            </a:fld>
-            <a:endParaRPr lang="en-US"/>
-          </a:p>
-        </p:txBody>
-      </p:sp>
-    </p:spTree>
-    <p:extLst>
-      <p:ext uri="{BB962C8B-B14F-4D97-AF65-F5344CB8AC3E}">
-        <p14:creationId xmlns:p14="http://schemas.microsoft.com/office/powerpoint/2010/main" val="1217704075"/>
-      </p:ext>
-    </p:extLst>
-  </p:cSld>
-  <p:clrMapOvr>
-    <a:masterClrMapping/>
-  </p:clrMapOvr>
-</p:notes>
-</file>
-
-<file path=ppt/notesSlides/notesSlide5.xml><?xml version="1.0" encoding="utf-8"?>
-<p:notes xmlns:a="http://schemas.openxmlformats.org/drawingml/2006/main" xmlns:r="http://schemas.openxmlformats.org/officeDocument/2006/relationships" xmlns:p="http://schemas.openxmlformats.org/presentationml/2006/main">
-  <p:cSld>
-    <p:spTree>
-      <p:nvGrpSpPr>
-        <p:cNvPr id="1" name=""/>
-        <p:cNvGrpSpPr/>
-        <p:nvPr/>
-      </p:nvGrpSpPr>
-      <p:grpSpPr>
-        <a:xfrm>
-          <a:off x="0" y="0"/>
-          <a:ext cx="0" cy="0"/>
-          <a:chOff x="0" y="0"/>
-          <a:chExt cx="0" cy="0"/>
-        </a:xfrm>
-      </p:grpSpPr>
-      <p:sp>
-        <p:nvSpPr>
-          <p:cNvPr id="2" name="Slide Image Placeholder 1"/>
-          <p:cNvSpPr>
-            <a:spLocks noGrp="1" noRot="1" noChangeAspect="1"/>
-          </p:cNvSpPr>
-          <p:nvPr>
-            <p:ph type="sldImg"/>
-          </p:nvPr>
-        </p:nvSpPr>
-        <p:spPr/>
-      </p:sp>
-      <p:sp>
-        <p:nvSpPr>
-          <p:cNvPr id="3" name="Notes Placeholder 2"/>
-          <p:cNvSpPr>
-            <a:spLocks noGrp="1"/>
-          </p:cNvSpPr>
-          <p:nvPr>
-            <p:ph type="body" idx="1"/>
-          </p:nvPr>
-        </p:nvSpPr>
-        <p:spPr/>
-        <p:txBody>
-          <a:bodyPr/>
-          <a:lstStyle/>
-          <a:p>
-            <a:endParaRPr lang="en-US" dirty="0"/>
-          </a:p>
-        </p:txBody>
-      </p:sp>
-      <p:sp>
-        <p:nvSpPr>
-          <p:cNvPr id="4" name="Slide Number Placeholder 3"/>
-          <p:cNvSpPr>
-            <a:spLocks noGrp="1"/>
-          </p:cNvSpPr>
-          <p:nvPr>
-            <p:ph type="sldNum" sz="quarter" idx="10"/>
-          </p:nvPr>
-        </p:nvSpPr>
-        <p:spPr/>
-        <p:txBody>
-          <a:bodyPr/>
-          <a:lstStyle/>
-          <a:p>
-            <a:pPr>
-              <a:defRPr/>
-            </a:pPr>
-            <a:fld id="{6E074355-CE0D-4C68-A6CB-C364ED71B33B}" type="slidenum">
-              <a:rPr lang="en-US" smtClean="0"/>
-              <a:pPr>
-                <a:defRPr/>
-              </a:pPr>
-              <a:t>5</a:t>
             </a:fld>
             <a:endParaRPr lang="en-US"/>
           </a:p>
@@ -6716,10 +6440,28 @@
               </a:spcAft>
             </a:pPr>
             <a:r>
+              <a:rPr lang="en-US" sz="1050" b="0" i="0" cap="all" baseline="0" dirty="0" err="1">
+                <a:latin typeface="Arial Black" charset="0"/>
+              </a:rPr>
+              <a:t>Nurali</a:t>
+            </a:r>
+            <a:r>
               <a:rPr lang="en-US" sz="1050" b="0" i="0" cap="all" baseline="0" dirty="0">
                 <a:latin typeface="Arial Black" charset="0"/>
               </a:rPr>
-              <a:t>Presenter or speaker name</a:t>
+              <a:t> </a:t>
+            </a:r>
+            <a:r>
+              <a:rPr lang="en-US" sz="1050" b="0" i="0" cap="all" baseline="0" dirty="0" err="1">
+                <a:latin typeface="Arial Black" charset="0"/>
+              </a:rPr>
+              <a:t>Bibolat</a:t>
+            </a:r>
+            <a:r>
+              <a:rPr lang="en-US" sz="1050" b="0" i="0" cap="all" baseline="0" dirty="0">
+                <a:latin typeface="Arial Black" charset="0"/>
+              </a:rPr>
+              <a:t>, Lily Nguyen, Daniel Wang</a:t>
             </a:r>
           </a:p>
           <a:p>
@@ -6733,11 +6475,11 @@
             </a:pPr>
             <a:r>
               <a:rPr lang="en-US" sz="1050" dirty="0"/>
-              <a:t>Position/Role,</a:t>
+              <a:t>Undergraduate Students,</a:t>
             </a:r>
             <a:r>
               <a:rPr lang="en-US" sz="1050" baseline="0" dirty="0"/>
-              <a:t> The University of Texas at Austin</a:t>
+              <a:t> Department of Physics, The University of Texas at Austin</a:t>
             </a:r>
             <a:endParaRPr lang="en-US" sz="1050" dirty="0"/>
           </a:p>
@@ -6935,16 +6677,16 @@
               </a:spcAft>
             </a:pPr>
             <a:r>
-              <a:rPr lang="en-US" sz="1200" b="0" i="0" cap="all" baseline="0">
+              <a:rPr lang="en-US" sz="1200" b="0" i="0" cap="all" baseline="0" dirty="0">
                 <a:latin typeface="Arial Black" charset="0"/>
               </a:rPr>
-              <a:t>Month </a:t>
-            </a:r>
-            <a:r>
-              <a:rPr lang="en-US" sz="1200" cap="all">
+              <a:t>December </a:t>
+            </a:r>
+            <a:r>
+              <a:rPr lang="en-US" sz="1200" cap="all" dirty="0">
                 <a:latin typeface="Arial Black" charset="0"/>
               </a:rPr>
-              <a:t>20XX</a:t>
+              <a:t>2025</a:t>
             </a:r>
             <a:endParaRPr lang="en-US" sz="1200" b="0" dirty="0"/>
           </a:p>
@@ -6997,22 +6739,8 @@
               </a:spcAft>
             </a:pPr>
             <a:r>
-              <a:rPr lang="en-US" dirty="0"/>
-              <a:t>Insert your</a:t>
-            </a:r>
-            <a:br>
-              <a:rPr lang="en-US" dirty="0"/>
-            </a:br>
-            <a:r>
-              <a:rPr lang="en-US" dirty="0"/>
-              <a:t>headline here</a:t>
-            </a:r>
-            <a:br>
-              <a:rPr lang="en-US" dirty="0"/>
-            </a:br>
-            <a:r>
-              <a:rPr lang="en-US" dirty="0"/>
-              <a:t>up to 3 lines</a:t>
+              <a:rPr lang="en-US" sz="3500" dirty="0"/>
+              <a:t>Efficient Sequence Modeling with Structured State Spaces (S4)</a:t>
             </a:r>
           </a:p>
         </p:txBody>
@@ -7210,14 +6938,7 @@
             </a:pPr>
             <a:r>
               <a:rPr lang="en-US" dirty="0"/>
-              <a:t>Insert your subtitle or any additional description text here up to</a:t>
-            </a:r>
-            <a:br>
-              <a:rPr lang="en-US" dirty="0"/>
-            </a:br>
-            <a:r>
-              <a:rPr lang="en-US" dirty="0"/>
-              <a:t>two lines of text or you can delete this text box</a:t>
+              <a:t>Implementing and Analyzing a Scalable Model for Long-Range Dependencies</a:t>
             </a:r>
           </a:p>
         </p:txBody>
@@ -7266,2412 +6987,6 @@
 </file>
 
 <file path=ppt/slides/slide2.xml><?xml version="1.0" encoding="utf-8"?>
-<p:sld xmlns:a="http://schemas.openxmlformats.org/drawingml/2006/main" xmlns:r="http://schemas.openxmlformats.org/officeDocument/2006/relationships" xmlns:p="http://schemas.openxmlformats.org/presentationml/2006/main">
-  <p:cSld>
-    <p:bg>
-      <p:bgPr>
-        <a:blipFill dpi="0" rotWithShape="1">
-          <a:blip r:embed="rId3">
-            <a:lum/>
-          </a:blip>
-          <a:srcRect/>
-          <a:stretch>
-            <a:fillRect/>
-          </a:stretch>
-        </a:blipFill>
-        <a:effectLst/>
-      </p:bgPr>
-    </p:bg>
-    <p:spTree>
-      <p:nvGrpSpPr>
-        <p:cNvPr id="1" name=""/>
-        <p:cNvGrpSpPr/>
-        <p:nvPr/>
-      </p:nvGrpSpPr>
-      <p:grpSpPr>
-        <a:xfrm>
-          <a:off x="0" y="0"/>
-          <a:ext cx="0" cy="0"/>
-          <a:chOff x="0" y="0"/>
-          <a:chExt cx="0" cy="0"/>
-        </a:xfrm>
-      </p:grpSpPr>
-      <p:cxnSp>
-        <p:nvCxnSpPr>
-          <p:cNvPr id="10" name="Straight Connector 9"/>
-          <p:cNvCxnSpPr/>
-          <p:nvPr/>
-        </p:nvCxnSpPr>
-        <p:spPr>
-          <a:xfrm>
-            <a:off x="628650" y="3105150"/>
-            <a:ext cx="5619750" cy="0"/>
-          </a:xfrm>
-          <a:prstGeom prst="line">
-            <a:avLst/>
-          </a:prstGeom>
-          <a:ln w="19050">
-            <a:solidFill>
-              <a:schemeClr val="bg1"/>
-            </a:solidFill>
-          </a:ln>
-        </p:spPr>
-        <p:style>
-          <a:lnRef idx="1">
-            <a:schemeClr val="accent1"/>
-          </a:lnRef>
-          <a:fillRef idx="0">
-            <a:schemeClr val="accent1"/>
-          </a:fillRef>
-          <a:effectRef idx="0">
-            <a:schemeClr val="accent1"/>
-          </a:effectRef>
-          <a:fontRef idx="minor">
-            <a:schemeClr val="tx1"/>
-          </a:fontRef>
-        </p:style>
-      </p:cxnSp>
-      <p:sp>
-        <p:nvSpPr>
-          <p:cNvPr id="11" name="Text Placeholder 9"/>
-          <p:cNvSpPr txBox="1">
-            <a:spLocks/>
-          </p:cNvSpPr>
-          <p:nvPr/>
-        </p:nvSpPr>
-        <p:spPr>
-          <a:xfrm>
-            <a:off x="548640" y="4114800"/>
-            <a:ext cx="7886700" cy="457201"/>
-          </a:xfrm>
-          <a:prstGeom prst="rect">
-            <a:avLst/>
-          </a:prstGeom>
-        </p:spPr>
-        <p:txBody>
-          <a:bodyPr vert="horz" lIns="91440" tIns="45720" rIns="91440" bIns="45720" rtlCol="0" anchor="b">
-            <a:noAutofit/>
-          </a:bodyPr>
-          <a:lstStyle>
-            <a:lvl1pPr marL="0" indent="0" algn="l" defTabSz="914400" rtl="0" eaLnBrk="1" latinLnBrk="0" hangingPunct="1">
-              <a:lnSpc>
-                <a:spcPct val="90000"/>
-              </a:lnSpc>
-              <a:spcBef>
-                <a:spcPts val="1000"/>
-              </a:spcBef>
-              <a:buFont typeface="Arial"/>
-              <a:buNone/>
-              <a:defRPr sz="1600" b="0" i="0" kern="1200" baseline="0">
-                <a:solidFill>
-                  <a:schemeClr val="bg1"/>
-                </a:solidFill>
-                <a:latin typeface="Arial" charset="0"/>
-                <a:ea typeface="Arial" charset="0"/>
-                <a:cs typeface="Arial" charset="0"/>
-              </a:defRPr>
-            </a:lvl1pPr>
-            <a:lvl2pPr marL="685800" indent="-228600" algn="l" defTabSz="914400" rtl="0" eaLnBrk="1" latinLnBrk="0" hangingPunct="1">
-              <a:lnSpc>
-                <a:spcPct val="90000"/>
-              </a:lnSpc>
-              <a:spcBef>
-                <a:spcPts val="500"/>
-              </a:spcBef>
-              <a:buFont typeface="Arial"/>
-              <a:buChar char="•"/>
-              <a:defRPr sz="2400" b="0" i="0" kern="1200">
-                <a:solidFill>
-                  <a:schemeClr val="bg1"/>
-                </a:solidFill>
-                <a:latin typeface="Arial" charset="0"/>
-                <a:ea typeface="Arial" charset="0"/>
-                <a:cs typeface="Arial" charset="0"/>
-              </a:defRPr>
-            </a:lvl2pPr>
-            <a:lvl3pPr marL="1143000" indent="-228600" algn="l" defTabSz="914400" rtl="0" eaLnBrk="1" latinLnBrk="0" hangingPunct="1">
-              <a:lnSpc>
-                <a:spcPct val="90000"/>
-              </a:lnSpc>
-              <a:spcBef>
-                <a:spcPts val="500"/>
-              </a:spcBef>
-              <a:buFont typeface="Arial"/>
-              <a:buChar char="•"/>
-              <a:defRPr sz="2000" b="0" i="0" kern="1200">
-                <a:solidFill>
-                  <a:schemeClr val="bg1"/>
-                </a:solidFill>
-                <a:latin typeface="Arial" charset="0"/>
-                <a:ea typeface="Arial" charset="0"/>
-                <a:cs typeface="Arial" charset="0"/>
-              </a:defRPr>
-            </a:lvl3pPr>
-            <a:lvl4pPr marL="1600200" indent="-228600" algn="l" defTabSz="914400" rtl="0" eaLnBrk="1" latinLnBrk="0" hangingPunct="1">
-              <a:lnSpc>
-                <a:spcPct val="90000"/>
-              </a:lnSpc>
-              <a:spcBef>
-                <a:spcPts val="500"/>
-              </a:spcBef>
-              <a:buFont typeface="Arial"/>
-              <a:buChar char="•"/>
-              <a:defRPr sz="1800" b="0" i="0" kern="1200">
-                <a:solidFill>
-                  <a:schemeClr val="bg1"/>
-                </a:solidFill>
-                <a:latin typeface="Arial" charset="0"/>
-                <a:ea typeface="Arial" charset="0"/>
-                <a:cs typeface="Arial" charset="0"/>
-              </a:defRPr>
-            </a:lvl4pPr>
-            <a:lvl5pPr marL="2057400" indent="-228600" algn="l" defTabSz="914400" rtl="0" eaLnBrk="1" latinLnBrk="0" hangingPunct="1">
-              <a:lnSpc>
-                <a:spcPct val="90000"/>
-              </a:lnSpc>
-              <a:spcBef>
-                <a:spcPts val="500"/>
-              </a:spcBef>
-              <a:buFont typeface="Arial"/>
-              <a:buChar char="•"/>
-              <a:defRPr sz="1800" b="0" i="0" kern="1200">
-                <a:solidFill>
-                  <a:schemeClr val="bg1"/>
-                </a:solidFill>
-                <a:latin typeface="Arial" charset="0"/>
-                <a:ea typeface="Arial" charset="0"/>
-                <a:cs typeface="Arial" charset="0"/>
-              </a:defRPr>
-            </a:lvl5pPr>
-            <a:lvl6pPr marL="2514600" indent="-228600" algn="l" defTabSz="914400" rtl="0" eaLnBrk="1" latinLnBrk="0" hangingPunct="1">
-              <a:lnSpc>
-                <a:spcPct val="90000"/>
-              </a:lnSpc>
-              <a:spcBef>
-                <a:spcPts val="500"/>
-              </a:spcBef>
-              <a:buFont typeface="Arial"/>
-              <a:buChar char="•"/>
-              <a:defRPr sz="1800" kern="1200">
-                <a:solidFill>
-                  <a:schemeClr val="tx1"/>
-                </a:solidFill>
-                <a:latin typeface="+mn-lt"/>
-                <a:ea typeface="+mn-ea"/>
-                <a:cs typeface="+mn-cs"/>
-              </a:defRPr>
-            </a:lvl6pPr>
-            <a:lvl7pPr marL="2971800" indent="-228600" algn="l" defTabSz="914400" rtl="0" eaLnBrk="1" latinLnBrk="0" hangingPunct="1">
-              <a:lnSpc>
-                <a:spcPct val="90000"/>
-              </a:lnSpc>
-              <a:spcBef>
-                <a:spcPts val="500"/>
-              </a:spcBef>
-              <a:buFont typeface="Arial"/>
-              <a:buChar char="•"/>
-              <a:defRPr sz="1800" kern="1200">
-                <a:solidFill>
-                  <a:schemeClr val="tx1"/>
-                </a:solidFill>
-                <a:latin typeface="+mn-lt"/>
-                <a:ea typeface="+mn-ea"/>
-                <a:cs typeface="+mn-cs"/>
-              </a:defRPr>
-            </a:lvl7pPr>
-            <a:lvl8pPr marL="3429000" indent="-228600" algn="l" defTabSz="914400" rtl="0" eaLnBrk="1" latinLnBrk="0" hangingPunct="1">
-              <a:lnSpc>
-                <a:spcPct val="90000"/>
-              </a:lnSpc>
-              <a:spcBef>
-                <a:spcPts val="500"/>
-              </a:spcBef>
-              <a:buFont typeface="Arial"/>
-              <a:buChar char="•"/>
-              <a:defRPr sz="1800" kern="1200">
-                <a:solidFill>
-                  <a:schemeClr val="tx1"/>
-                </a:solidFill>
-                <a:latin typeface="+mn-lt"/>
-                <a:ea typeface="+mn-ea"/>
-                <a:cs typeface="+mn-cs"/>
-              </a:defRPr>
-            </a:lvl8pPr>
-            <a:lvl9pPr marL="3886200" indent="-228600" algn="l" defTabSz="914400" rtl="0" eaLnBrk="1" latinLnBrk="0" hangingPunct="1">
-              <a:lnSpc>
-                <a:spcPct val="90000"/>
-              </a:lnSpc>
-              <a:spcBef>
-                <a:spcPts val="500"/>
-              </a:spcBef>
-              <a:buFont typeface="Arial"/>
-              <a:buChar char="•"/>
-              <a:defRPr sz="1800" kern="1200">
-                <a:solidFill>
-                  <a:schemeClr val="tx1"/>
-                </a:solidFill>
-                <a:latin typeface="+mn-lt"/>
-                <a:ea typeface="+mn-ea"/>
-                <a:cs typeface="+mn-cs"/>
-              </a:defRPr>
-            </a:lvl9pPr>
-          </a:lstStyle>
-          <a:p>
-            <a:pPr fontAlgn="auto">
-              <a:lnSpc>
-                <a:spcPct val="50000"/>
-              </a:lnSpc>
-              <a:spcAft>
-                <a:spcPts val="0"/>
-              </a:spcAft>
-            </a:pPr>
-            <a:r>
-              <a:rPr lang="en-US" sz="1050" b="0" i="0" cap="all" baseline="0" dirty="0">
-                <a:latin typeface="Arial Black" charset="0"/>
-              </a:rPr>
-              <a:t>Presenter or speaker name</a:t>
-            </a:r>
-          </a:p>
-          <a:p>
-            <a:pPr fontAlgn="auto">
-              <a:lnSpc>
-                <a:spcPct val="30000"/>
-              </a:lnSpc>
-              <a:spcAft>
-                <a:spcPts val="0"/>
-              </a:spcAft>
-            </a:pPr>
-            <a:r>
-              <a:rPr lang="en-US" sz="1050" dirty="0"/>
-              <a:t>Position/Role,</a:t>
-            </a:r>
-            <a:r>
-              <a:rPr lang="en-US" sz="1050" baseline="0" dirty="0"/>
-              <a:t> The University of Texas at Austin</a:t>
-            </a:r>
-            <a:endParaRPr lang="en-US" sz="1050" dirty="0"/>
-          </a:p>
-        </p:txBody>
-      </p:sp>
-      <p:sp>
-        <p:nvSpPr>
-          <p:cNvPr id="12" name="Text Placeholder 9"/>
-          <p:cNvSpPr txBox="1">
-            <a:spLocks/>
-          </p:cNvSpPr>
-          <p:nvPr/>
-        </p:nvSpPr>
-        <p:spPr>
-          <a:xfrm>
-            <a:off x="548640" y="457200"/>
-            <a:ext cx="7828444" cy="389296"/>
-          </a:xfrm>
-          <a:prstGeom prst="rect">
-            <a:avLst/>
-          </a:prstGeom>
-        </p:spPr>
-        <p:txBody>
-          <a:bodyPr vert="horz" lIns="91440" tIns="45720" rIns="91440" bIns="45720" rtlCol="0" anchor="ctr">
-            <a:noAutofit/>
-          </a:bodyPr>
-          <a:lstStyle>
-            <a:lvl1pPr marL="0" indent="0" algn="l" defTabSz="914400" rtl="0" eaLnBrk="1" latinLnBrk="0" hangingPunct="1">
-              <a:lnSpc>
-                <a:spcPct val="90000"/>
-              </a:lnSpc>
-              <a:spcBef>
-                <a:spcPts val="1000"/>
-              </a:spcBef>
-              <a:buFont typeface="Arial"/>
-              <a:buNone/>
-              <a:defRPr sz="1600" b="0" i="0" kern="1200" baseline="0">
-                <a:solidFill>
-                  <a:schemeClr val="bg1"/>
-                </a:solidFill>
-                <a:latin typeface="Arial" charset="0"/>
-                <a:ea typeface="Arial" charset="0"/>
-                <a:cs typeface="Arial" charset="0"/>
-              </a:defRPr>
-            </a:lvl1pPr>
-            <a:lvl2pPr marL="685800" indent="-228600" algn="l" defTabSz="914400" rtl="0" eaLnBrk="1" latinLnBrk="0" hangingPunct="1">
-              <a:lnSpc>
-                <a:spcPct val="90000"/>
-              </a:lnSpc>
-              <a:spcBef>
-                <a:spcPts val="500"/>
-              </a:spcBef>
-              <a:buFont typeface="Arial"/>
-              <a:buChar char="•"/>
-              <a:defRPr sz="2400" b="0" i="0" kern="1200">
-                <a:solidFill>
-                  <a:schemeClr val="bg1"/>
-                </a:solidFill>
-                <a:latin typeface="Arial" charset="0"/>
-                <a:ea typeface="Arial" charset="0"/>
-                <a:cs typeface="Arial" charset="0"/>
-              </a:defRPr>
-            </a:lvl2pPr>
-            <a:lvl3pPr marL="1143000" indent="-228600" algn="l" defTabSz="914400" rtl="0" eaLnBrk="1" latinLnBrk="0" hangingPunct="1">
-              <a:lnSpc>
-                <a:spcPct val="90000"/>
-              </a:lnSpc>
-              <a:spcBef>
-                <a:spcPts val="500"/>
-              </a:spcBef>
-              <a:buFont typeface="Arial"/>
-              <a:buChar char="•"/>
-              <a:defRPr sz="2000" b="0" i="0" kern="1200">
-                <a:solidFill>
-                  <a:schemeClr val="bg1"/>
-                </a:solidFill>
-                <a:latin typeface="Arial" charset="0"/>
-                <a:ea typeface="Arial" charset="0"/>
-                <a:cs typeface="Arial" charset="0"/>
-              </a:defRPr>
-            </a:lvl3pPr>
-            <a:lvl4pPr marL="1600200" indent="-228600" algn="l" defTabSz="914400" rtl="0" eaLnBrk="1" latinLnBrk="0" hangingPunct="1">
-              <a:lnSpc>
-                <a:spcPct val="90000"/>
-              </a:lnSpc>
-              <a:spcBef>
-                <a:spcPts val="500"/>
-              </a:spcBef>
-              <a:buFont typeface="Arial"/>
-              <a:buChar char="•"/>
-              <a:defRPr sz="1800" b="0" i="0" kern="1200">
-                <a:solidFill>
-                  <a:schemeClr val="bg1"/>
-                </a:solidFill>
-                <a:latin typeface="Arial" charset="0"/>
-                <a:ea typeface="Arial" charset="0"/>
-                <a:cs typeface="Arial" charset="0"/>
-              </a:defRPr>
-            </a:lvl4pPr>
-            <a:lvl5pPr marL="2057400" indent="-228600" algn="l" defTabSz="914400" rtl="0" eaLnBrk="1" latinLnBrk="0" hangingPunct="1">
-              <a:lnSpc>
-                <a:spcPct val="90000"/>
-              </a:lnSpc>
-              <a:spcBef>
-                <a:spcPts val="500"/>
-              </a:spcBef>
-              <a:buFont typeface="Arial"/>
-              <a:buChar char="•"/>
-              <a:defRPr sz="1800" b="0" i="0" kern="1200">
-                <a:solidFill>
-                  <a:schemeClr val="bg1"/>
-                </a:solidFill>
-                <a:latin typeface="Arial" charset="0"/>
-                <a:ea typeface="Arial" charset="0"/>
-                <a:cs typeface="Arial" charset="0"/>
-              </a:defRPr>
-            </a:lvl5pPr>
-            <a:lvl6pPr marL="2514600" indent="-228600" algn="l" defTabSz="914400" rtl="0" eaLnBrk="1" latinLnBrk="0" hangingPunct="1">
-              <a:lnSpc>
-                <a:spcPct val="90000"/>
-              </a:lnSpc>
-              <a:spcBef>
-                <a:spcPts val="500"/>
-              </a:spcBef>
-              <a:buFont typeface="Arial"/>
-              <a:buChar char="•"/>
-              <a:defRPr sz="1800" kern="1200">
-                <a:solidFill>
-                  <a:schemeClr val="tx1"/>
-                </a:solidFill>
-                <a:latin typeface="+mn-lt"/>
-                <a:ea typeface="+mn-ea"/>
-                <a:cs typeface="+mn-cs"/>
-              </a:defRPr>
-            </a:lvl6pPr>
-            <a:lvl7pPr marL="2971800" indent="-228600" algn="l" defTabSz="914400" rtl="0" eaLnBrk="1" latinLnBrk="0" hangingPunct="1">
-              <a:lnSpc>
-                <a:spcPct val="90000"/>
-              </a:lnSpc>
-              <a:spcBef>
-                <a:spcPts val="500"/>
-              </a:spcBef>
-              <a:buFont typeface="Arial"/>
-              <a:buChar char="•"/>
-              <a:defRPr sz="1800" kern="1200">
-                <a:solidFill>
-                  <a:schemeClr val="tx1"/>
-                </a:solidFill>
-                <a:latin typeface="+mn-lt"/>
-                <a:ea typeface="+mn-ea"/>
-                <a:cs typeface="+mn-cs"/>
-              </a:defRPr>
-            </a:lvl7pPr>
-            <a:lvl8pPr marL="3429000" indent="-228600" algn="l" defTabSz="914400" rtl="0" eaLnBrk="1" latinLnBrk="0" hangingPunct="1">
-              <a:lnSpc>
-                <a:spcPct val="90000"/>
-              </a:lnSpc>
-              <a:spcBef>
-                <a:spcPts val="500"/>
-              </a:spcBef>
-              <a:buFont typeface="Arial"/>
-              <a:buChar char="•"/>
-              <a:defRPr sz="1800" kern="1200">
-                <a:solidFill>
-                  <a:schemeClr val="tx1"/>
-                </a:solidFill>
-                <a:latin typeface="+mn-lt"/>
-                <a:ea typeface="+mn-ea"/>
-                <a:cs typeface="+mn-cs"/>
-              </a:defRPr>
-            </a:lvl8pPr>
-            <a:lvl9pPr marL="3886200" indent="-228600" algn="l" defTabSz="914400" rtl="0" eaLnBrk="1" latinLnBrk="0" hangingPunct="1">
-              <a:lnSpc>
-                <a:spcPct val="90000"/>
-              </a:lnSpc>
-              <a:spcBef>
-                <a:spcPts val="500"/>
-              </a:spcBef>
-              <a:buFont typeface="Arial"/>
-              <a:buChar char="•"/>
-              <a:defRPr sz="1800" kern="1200">
-                <a:solidFill>
-                  <a:schemeClr val="tx1"/>
-                </a:solidFill>
-                <a:latin typeface="+mn-lt"/>
-                <a:ea typeface="+mn-ea"/>
-                <a:cs typeface="+mn-cs"/>
-              </a:defRPr>
-            </a:lvl9pPr>
-          </a:lstStyle>
-          <a:p>
-            <a:pPr fontAlgn="auto">
-              <a:spcAft>
-                <a:spcPts val="0"/>
-              </a:spcAft>
-            </a:pPr>
-            <a:r>
-              <a:rPr lang="en-US" sz="1200" b="0" i="0" cap="all" baseline="0" dirty="0">
-                <a:latin typeface="Arial Black" charset="0"/>
-              </a:rPr>
-              <a:t>Month 20xx</a:t>
-            </a:r>
-            <a:endParaRPr lang="en-US" sz="1200" b="0" dirty="0"/>
-          </a:p>
-        </p:txBody>
-      </p:sp>
-      <p:sp>
-        <p:nvSpPr>
-          <p:cNvPr id="13" name="Title Placeholder 7"/>
-          <p:cNvSpPr txBox="1">
-            <a:spLocks/>
-          </p:cNvSpPr>
-          <p:nvPr/>
-        </p:nvSpPr>
-        <p:spPr>
-          <a:xfrm>
-            <a:off x="502920" y="1200150"/>
-            <a:ext cx="7886700" cy="1752600"/>
-          </a:xfrm>
-          <a:prstGeom prst="rect">
-            <a:avLst/>
-          </a:prstGeom>
-        </p:spPr>
-        <p:txBody>
-          <a:bodyPr vert="horz" wrap="square" lIns="91440" tIns="45720" rIns="91440" bIns="45720" rtlCol="0" anchor="b">
-            <a:noAutofit/>
-          </a:bodyPr>
-          <a:lstStyle>
-            <a:lvl1pPr algn="l" defTabSz="914400" rtl="0" eaLnBrk="1" latinLnBrk="0" hangingPunct="1">
-              <a:lnSpc>
-                <a:spcPts val="4000"/>
-              </a:lnSpc>
-              <a:spcBef>
-                <a:spcPct val="0"/>
-              </a:spcBef>
-              <a:buNone/>
-              <a:defRPr sz="4800" b="1" i="0" kern="800" cap="all" normalizeH="0" baseline="0">
-                <a:solidFill>
-                  <a:schemeClr val="bg1"/>
-                </a:solidFill>
-                <a:latin typeface="Arial Black" charset="0"/>
-                <a:ea typeface="Arial Black" charset="0"/>
-                <a:cs typeface="Arial Black" charset="0"/>
-              </a:defRPr>
-            </a:lvl1pPr>
-          </a:lstStyle>
-          <a:p>
-            <a:pPr fontAlgn="auto">
-              <a:spcAft>
-                <a:spcPts val="0"/>
-              </a:spcAft>
-            </a:pPr>
-            <a:r>
-              <a:rPr lang="en-US" dirty="0"/>
-              <a:t>Insert your</a:t>
-            </a:r>
-            <a:br>
-              <a:rPr lang="en-US" dirty="0"/>
-            </a:br>
-            <a:r>
-              <a:rPr lang="en-US" dirty="0"/>
-              <a:t>headline here</a:t>
-            </a:r>
-            <a:br>
-              <a:rPr lang="en-US" dirty="0"/>
-            </a:br>
-            <a:r>
-              <a:rPr lang="en-US" dirty="0"/>
-              <a:t>up to 3 lines</a:t>
-            </a:r>
-          </a:p>
-        </p:txBody>
-      </p:sp>
-      <p:sp>
-        <p:nvSpPr>
-          <p:cNvPr id="15" name="Text Placeholder 9"/>
-          <p:cNvSpPr txBox="1">
-            <a:spLocks/>
-          </p:cNvSpPr>
-          <p:nvPr/>
-        </p:nvSpPr>
-        <p:spPr>
-          <a:xfrm>
-            <a:off x="548640" y="3333749"/>
-            <a:ext cx="7886700" cy="457201"/>
-          </a:xfrm>
-          <a:prstGeom prst="rect">
-            <a:avLst/>
-          </a:prstGeom>
-        </p:spPr>
-        <p:txBody>
-          <a:bodyPr vert="horz" lIns="91440" tIns="45720" rIns="91440" bIns="45720" rtlCol="0">
-            <a:noAutofit/>
-          </a:bodyPr>
-          <a:lstStyle>
-            <a:lvl1pPr marL="0" indent="0" algn="l" defTabSz="914400" rtl="0" eaLnBrk="1" latinLnBrk="0" hangingPunct="1">
-              <a:lnSpc>
-                <a:spcPct val="90000"/>
-              </a:lnSpc>
-              <a:spcBef>
-                <a:spcPts val="1000"/>
-              </a:spcBef>
-              <a:buFont typeface="Arial"/>
-              <a:buNone/>
-              <a:defRPr sz="1400" b="0" i="0" kern="1200" baseline="0">
-                <a:solidFill>
-                  <a:schemeClr val="bg1"/>
-                </a:solidFill>
-                <a:latin typeface="Arial" charset="0"/>
-                <a:ea typeface="Arial" charset="0"/>
-                <a:cs typeface="Arial" charset="0"/>
-              </a:defRPr>
-            </a:lvl1pPr>
-            <a:lvl2pPr marL="685800" indent="-228600" algn="l" defTabSz="914400" rtl="0" eaLnBrk="1" latinLnBrk="0" hangingPunct="1">
-              <a:lnSpc>
-                <a:spcPct val="90000"/>
-              </a:lnSpc>
-              <a:spcBef>
-                <a:spcPts val="500"/>
-              </a:spcBef>
-              <a:buFont typeface="Arial"/>
-              <a:buChar char="•"/>
-              <a:defRPr sz="2400" b="0" i="0" kern="1200">
-                <a:solidFill>
-                  <a:schemeClr val="bg1"/>
-                </a:solidFill>
-                <a:latin typeface="Arial" charset="0"/>
-                <a:ea typeface="Arial" charset="0"/>
-                <a:cs typeface="Arial" charset="0"/>
-              </a:defRPr>
-            </a:lvl2pPr>
-            <a:lvl3pPr marL="1143000" indent="-228600" algn="l" defTabSz="914400" rtl="0" eaLnBrk="1" latinLnBrk="0" hangingPunct="1">
-              <a:lnSpc>
-                <a:spcPct val="90000"/>
-              </a:lnSpc>
-              <a:spcBef>
-                <a:spcPts val="500"/>
-              </a:spcBef>
-              <a:buFont typeface="Arial"/>
-              <a:buChar char="•"/>
-              <a:defRPr sz="2000" b="0" i="0" kern="1200">
-                <a:solidFill>
-                  <a:schemeClr val="bg1"/>
-                </a:solidFill>
-                <a:latin typeface="Arial" charset="0"/>
-                <a:ea typeface="Arial" charset="0"/>
-                <a:cs typeface="Arial" charset="0"/>
-              </a:defRPr>
-            </a:lvl3pPr>
-            <a:lvl4pPr marL="1600200" indent="-228600" algn="l" defTabSz="914400" rtl="0" eaLnBrk="1" latinLnBrk="0" hangingPunct="1">
-              <a:lnSpc>
-                <a:spcPct val="90000"/>
-              </a:lnSpc>
-              <a:spcBef>
-                <a:spcPts val="500"/>
-              </a:spcBef>
-              <a:buFont typeface="Arial"/>
-              <a:buChar char="•"/>
-              <a:defRPr sz="1800" b="0" i="0" kern="1200">
-                <a:solidFill>
-                  <a:schemeClr val="bg1"/>
-                </a:solidFill>
-                <a:latin typeface="Arial" charset="0"/>
-                <a:ea typeface="Arial" charset="0"/>
-                <a:cs typeface="Arial" charset="0"/>
-              </a:defRPr>
-            </a:lvl4pPr>
-            <a:lvl5pPr marL="2057400" indent="-228600" algn="l" defTabSz="914400" rtl="0" eaLnBrk="1" latinLnBrk="0" hangingPunct="1">
-              <a:lnSpc>
-                <a:spcPct val="90000"/>
-              </a:lnSpc>
-              <a:spcBef>
-                <a:spcPts val="500"/>
-              </a:spcBef>
-              <a:buFont typeface="Arial"/>
-              <a:buChar char="•"/>
-              <a:defRPr sz="1800" b="0" i="0" kern="1200">
-                <a:solidFill>
-                  <a:schemeClr val="bg1"/>
-                </a:solidFill>
-                <a:latin typeface="Arial" charset="0"/>
-                <a:ea typeface="Arial" charset="0"/>
-                <a:cs typeface="Arial" charset="0"/>
-              </a:defRPr>
-            </a:lvl5pPr>
-            <a:lvl6pPr marL="2514600" indent="-228600" algn="l" defTabSz="914400" rtl="0" eaLnBrk="1" latinLnBrk="0" hangingPunct="1">
-              <a:lnSpc>
-                <a:spcPct val="90000"/>
-              </a:lnSpc>
-              <a:spcBef>
-                <a:spcPts val="500"/>
-              </a:spcBef>
-              <a:buFont typeface="Arial"/>
-              <a:buChar char="•"/>
-              <a:defRPr sz="1800" kern="1200">
-                <a:solidFill>
-                  <a:schemeClr val="tx1"/>
-                </a:solidFill>
-                <a:latin typeface="+mn-lt"/>
-                <a:ea typeface="+mn-ea"/>
-                <a:cs typeface="+mn-cs"/>
-              </a:defRPr>
-            </a:lvl6pPr>
-            <a:lvl7pPr marL="2971800" indent="-228600" algn="l" defTabSz="914400" rtl="0" eaLnBrk="1" latinLnBrk="0" hangingPunct="1">
-              <a:lnSpc>
-                <a:spcPct val="90000"/>
-              </a:lnSpc>
-              <a:spcBef>
-                <a:spcPts val="500"/>
-              </a:spcBef>
-              <a:buFont typeface="Arial"/>
-              <a:buChar char="•"/>
-              <a:defRPr sz="1800" kern="1200">
-                <a:solidFill>
-                  <a:schemeClr val="tx1"/>
-                </a:solidFill>
-                <a:latin typeface="+mn-lt"/>
-                <a:ea typeface="+mn-ea"/>
-                <a:cs typeface="+mn-cs"/>
-              </a:defRPr>
-            </a:lvl7pPr>
-            <a:lvl8pPr marL="3429000" indent="-228600" algn="l" defTabSz="914400" rtl="0" eaLnBrk="1" latinLnBrk="0" hangingPunct="1">
-              <a:lnSpc>
-                <a:spcPct val="90000"/>
-              </a:lnSpc>
-              <a:spcBef>
-                <a:spcPts val="500"/>
-              </a:spcBef>
-              <a:buFont typeface="Arial"/>
-              <a:buChar char="•"/>
-              <a:defRPr sz="1800" kern="1200">
-                <a:solidFill>
-                  <a:schemeClr val="tx1"/>
-                </a:solidFill>
-                <a:latin typeface="+mn-lt"/>
-                <a:ea typeface="+mn-ea"/>
-                <a:cs typeface="+mn-cs"/>
-              </a:defRPr>
-            </a:lvl8pPr>
-            <a:lvl9pPr marL="3886200" indent="-228600" algn="l" defTabSz="914400" rtl="0" eaLnBrk="1" latinLnBrk="0" hangingPunct="1">
-              <a:lnSpc>
-                <a:spcPct val="90000"/>
-              </a:lnSpc>
-              <a:spcBef>
-                <a:spcPts val="500"/>
-              </a:spcBef>
-              <a:buFont typeface="Arial"/>
-              <a:buChar char="•"/>
-              <a:defRPr sz="1800" kern="1200">
-                <a:solidFill>
-                  <a:schemeClr val="tx1"/>
-                </a:solidFill>
-                <a:latin typeface="+mn-lt"/>
-                <a:ea typeface="+mn-ea"/>
-                <a:cs typeface="+mn-cs"/>
-              </a:defRPr>
-            </a:lvl9pPr>
-          </a:lstStyle>
-          <a:p>
-            <a:pPr fontAlgn="auto">
-              <a:spcAft>
-                <a:spcPts val="0"/>
-              </a:spcAft>
-            </a:pPr>
-            <a:r>
-              <a:rPr lang="en-US" dirty="0"/>
-              <a:t>Insert your subtitle or any additional description text here up to</a:t>
-            </a:r>
-            <a:br>
-              <a:rPr lang="en-US" dirty="0"/>
-            </a:br>
-            <a:r>
-              <a:rPr lang="en-US" dirty="0"/>
-              <a:t>two lines of text or you can delete this text box</a:t>
-            </a:r>
-          </a:p>
-        </p:txBody>
-      </p:sp>
-      <p:pic>
-        <p:nvPicPr>
-          <p:cNvPr id="16" name="Picture 15"/>
-          <p:cNvPicPr>
-            <a:picLocks noChangeAspect="1"/>
-          </p:cNvPicPr>
-          <p:nvPr/>
-        </p:nvPicPr>
-        <p:blipFill>
-          <a:blip r:embed="rId4">
-            <a:extLst>
-              <a:ext uri="{28A0092B-C50C-407E-A947-70E740481C1C}">
-                <a14:useLocalDpi xmlns:a14="http://schemas.microsoft.com/office/drawing/2010/main" val="0"/>
-              </a:ext>
-            </a:extLst>
-          </a:blip>
-          <a:stretch>
-            <a:fillRect/>
-          </a:stretch>
-        </p:blipFill>
-        <p:spPr>
-          <a:xfrm>
-            <a:off x="6978699" y="320040"/>
-            <a:ext cx="1877397" cy="914400"/>
-          </a:xfrm>
-          <a:prstGeom prst="rect">
-            <a:avLst/>
-          </a:prstGeom>
-        </p:spPr>
-      </p:pic>
-    </p:spTree>
-    <p:extLst>
-      <p:ext uri="{BB962C8B-B14F-4D97-AF65-F5344CB8AC3E}">
-        <p14:creationId xmlns:p14="http://schemas.microsoft.com/office/powerpoint/2010/main" val="757240041"/>
-      </p:ext>
-    </p:extLst>
-  </p:cSld>
-  <p:clrMapOvr>
-    <a:masterClrMapping/>
-  </p:clrMapOvr>
-</p:sld>
-</file>
-
-<file path=ppt/slides/slide3.xml><?xml version="1.0" encoding="utf-8"?>
-<p:sld xmlns:a="http://schemas.openxmlformats.org/drawingml/2006/main" xmlns:r="http://schemas.openxmlformats.org/officeDocument/2006/relationships" xmlns:p="http://schemas.openxmlformats.org/presentationml/2006/main">
-  <p:cSld>
-    <p:bg>
-      <p:bgPr>
-        <a:blipFill dpi="0" rotWithShape="1">
-          <a:blip r:embed="rId3">
-            <a:lum/>
-          </a:blip>
-          <a:srcRect/>
-          <a:stretch>
-            <a:fillRect/>
-          </a:stretch>
-        </a:blipFill>
-        <a:effectLst/>
-      </p:bgPr>
-    </p:bg>
-    <p:spTree>
-      <p:nvGrpSpPr>
-        <p:cNvPr id="1" name=""/>
-        <p:cNvGrpSpPr/>
-        <p:nvPr/>
-      </p:nvGrpSpPr>
-      <p:grpSpPr>
-        <a:xfrm>
-          <a:off x="0" y="0"/>
-          <a:ext cx="0" cy="0"/>
-          <a:chOff x="0" y="0"/>
-          <a:chExt cx="0" cy="0"/>
-        </a:xfrm>
-      </p:grpSpPr>
-      <p:cxnSp>
-        <p:nvCxnSpPr>
-          <p:cNvPr id="10" name="Straight Connector 9"/>
-          <p:cNvCxnSpPr/>
-          <p:nvPr/>
-        </p:nvCxnSpPr>
-        <p:spPr>
-          <a:xfrm>
-            <a:off x="628650" y="3105150"/>
-            <a:ext cx="5619750" cy="0"/>
-          </a:xfrm>
-          <a:prstGeom prst="line">
-            <a:avLst/>
-          </a:prstGeom>
-          <a:ln w="19050">
-            <a:solidFill>
-              <a:schemeClr val="bg1"/>
-            </a:solidFill>
-          </a:ln>
-        </p:spPr>
-        <p:style>
-          <a:lnRef idx="1">
-            <a:schemeClr val="accent1"/>
-          </a:lnRef>
-          <a:fillRef idx="0">
-            <a:schemeClr val="accent1"/>
-          </a:fillRef>
-          <a:effectRef idx="0">
-            <a:schemeClr val="accent1"/>
-          </a:effectRef>
-          <a:fontRef idx="minor">
-            <a:schemeClr val="tx1"/>
-          </a:fontRef>
-        </p:style>
-      </p:cxnSp>
-      <p:sp>
-        <p:nvSpPr>
-          <p:cNvPr id="11" name="Text Placeholder 9"/>
-          <p:cNvSpPr txBox="1">
-            <a:spLocks/>
-          </p:cNvSpPr>
-          <p:nvPr/>
-        </p:nvSpPr>
-        <p:spPr>
-          <a:xfrm>
-            <a:off x="548640" y="4114800"/>
-            <a:ext cx="7886700" cy="457201"/>
-          </a:xfrm>
-          <a:prstGeom prst="rect">
-            <a:avLst/>
-          </a:prstGeom>
-        </p:spPr>
-        <p:txBody>
-          <a:bodyPr vert="horz" lIns="91440" tIns="45720" rIns="91440" bIns="45720" rtlCol="0" anchor="b">
-            <a:noAutofit/>
-          </a:bodyPr>
-          <a:lstStyle>
-            <a:lvl1pPr marL="0" indent="0" algn="l" defTabSz="914400" rtl="0" eaLnBrk="1" latinLnBrk="0" hangingPunct="1">
-              <a:lnSpc>
-                <a:spcPct val="90000"/>
-              </a:lnSpc>
-              <a:spcBef>
-                <a:spcPts val="1000"/>
-              </a:spcBef>
-              <a:buFont typeface="Arial"/>
-              <a:buNone/>
-              <a:defRPr sz="1600" b="0" i="0" kern="1200" baseline="0">
-                <a:solidFill>
-                  <a:schemeClr val="bg1"/>
-                </a:solidFill>
-                <a:latin typeface="Arial" charset="0"/>
-                <a:ea typeface="Arial" charset="0"/>
-                <a:cs typeface="Arial" charset="0"/>
-              </a:defRPr>
-            </a:lvl1pPr>
-            <a:lvl2pPr marL="685800" indent="-228600" algn="l" defTabSz="914400" rtl="0" eaLnBrk="1" latinLnBrk="0" hangingPunct="1">
-              <a:lnSpc>
-                <a:spcPct val="90000"/>
-              </a:lnSpc>
-              <a:spcBef>
-                <a:spcPts val="500"/>
-              </a:spcBef>
-              <a:buFont typeface="Arial"/>
-              <a:buChar char="•"/>
-              <a:defRPr sz="2400" b="0" i="0" kern="1200">
-                <a:solidFill>
-                  <a:schemeClr val="bg1"/>
-                </a:solidFill>
-                <a:latin typeface="Arial" charset="0"/>
-                <a:ea typeface="Arial" charset="0"/>
-                <a:cs typeface="Arial" charset="0"/>
-              </a:defRPr>
-            </a:lvl2pPr>
-            <a:lvl3pPr marL="1143000" indent="-228600" algn="l" defTabSz="914400" rtl="0" eaLnBrk="1" latinLnBrk="0" hangingPunct="1">
-              <a:lnSpc>
-                <a:spcPct val="90000"/>
-              </a:lnSpc>
-              <a:spcBef>
-                <a:spcPts val="500"/>
-              </a:spcBef>
-              <a:buFont typeface="Arial"/>
-              <a:buChar char="•"/>
-              <a:defRPr sz="2000" b="0" i="0" kern="1200">
-                <a:solidFill>
-                  <a:schemeClr val="bg1"/>
-                </a:solidFill>
-                <a:latin typeface="Arial" charset="0"/>
-                <a:ea typeface="Arial" charset="0"/>
-                <a:cs typeface="Arial" charset="0"/>
-              </a:defRPr>
-            </a:lvl3pPr>
-            <a:lvl4pPr marL="1600200" indent="-228600" algn="l" defTabSz="914400" rtl="0" eaLnBrk="1" latinLnBrk="0" hangingPunct="1">
-              <a:lnSpc>
-                <a:spcPct val="90000"/>
-              </a:lnSpc>
-              <a:spcBef>
-                <a:spcPts val="500"/>
-              </a:spcBef>
-              <a:buFont typeface="Arial"/>
-              <a:buChar char="•"/>
-              <a:defRPr sz="1800" b="0" i="0" kern="1200">
-                <a:solidFill>
-                  <a:schemeClr val="bg1"/>
-                </a:solidFill>
-                <a:latin typeface="Arial" charset="0"/>
-                <a:ea typeface="Arial" charset="0"/>
-                <a:cs typeface="Arial" charset="0"/>
-              </a:defRPr>
-            </a:lvl4pPr>
-            <a:lvl5pPr marL="2057400" indent="-228600" algn="l" defTabSz="914400" rtl="0" eaLnBrk="1" latinLnBrk="0" hangingPunct="1">
-              <a:lnSpc>
-                <a:spcPct val="90000"/>
-              </a:lnSpc>
-              <a:spcBef>
-                <a:spcPts val="500"/>
-              </a:spcBef>
-              <a:buFont typeface="Arial"/>
-              <a:buChar char="•"/>
-              <a:defRPr sz="1800" b="0" i="0" kern="1200">
-                <a:solidFill>
-                  <a:schemeClr val="bg1"/>
-                </a:solidFill>
-                <a:latin typeface="Arial" charset="0"/>
-                <a:ea typeface="Arial" charset="0"/>
-                <a:cs typeface="Arial" charset="0"/>
-              </a:defRPr>
-            </a:lvl5pPr>
-            <a:lvl6pPr marL="2514600" indent="-228600" algn="l" defTabSz="914400" rtl="0" eaLnBrk="1" latinLnBrk="0" hangingPunct="1">
-              <a:lnSpc>
-                <a:spcPct val="90000"/>
-              </a:lnSpc>
-              <a:spcBef>
-                <a:spcPts val="500"/>
-              </a:spcBef>
-              <a:buFont typeface="Arial"/>
-              <a:buChar char="•"/>
-              <a:defRPr sz="1800" kern="1200">
-                <a:solidFill>
-                  <a:schemeClr val="tx1"/>
-                </a:solidFill>
-                <a:latin typeface="+mn-lt"/>
-                <a:ea typeface="+mn-ea"/>
-                <a:cs typeface="+mn-cs"/>
-              </a:defRPr>
-            </a:lvl6pPr>
-            <a:lvl7pPr marL="2971800" indent="-228600" algn="l" defTabSz="914400" rtl="0" eaLnBrk="1" latinLnBrk="0" hangingPunct="1">
-              <a:lnSpc>
-                <a:spcPct val="90000"/>
-              </a:lnSpc>
-              <a:spcBef>
-                <a:spcPts val="500"/>
-              </a:spcBef>
-              <a:buFont typeface="Arial"/>
-              <a:buChar char="•"/>
-              <a:defRPr sz="1800" kern="1200">
-                <a:solidFill>
-                  <a:schemeClr val="tx1"/>
-                </a:solidFill>
-                <a:latin typeface="+mn-lt"/>
-                <a:ea typeface="+mn-ea"/>
-                <a:cs typeface="+mn-cs"/>
-              </a:defRPr>
-            </a:lvl7pPr>
-            <a:lvl8pPr marL="3429000" indent="-228600" algn="l" defTabSz="914400" rtl="0" eaLnBrk="1" latinLnBrk="0" hangingPunct="1">
-              <a:lnSpc>
-                <a:spcPct val="90000"/>
-              </a:lnSpc>
-              <a:spcBef>
-                <a:spcPts val="500"/>
-              </a:spcBef>
-              <a:buFont typeface="Arial"/>
-              <a:buChar char="•"/>
-              <a:defRPr sz="1800" kern="1200">
-                <a:solidFill>
-                  <a:schemeClr val="tx1"/>
-                </a:solidFill>
-                <a:latin typeface="+mn-lt"/>
-                <a:ea typeface="+mn-ea"/>
-                <a:cs typeface="+mn-cs"/>
-              </a:defRPr>
-            </a:lvl8pPr>
-            <a:lvl9pPr marL="3886200" indent="-228600" algn="l" defTabSz="914400" rtl="0" eaLnBrk="1" latinLnBrk="0" hangingPunct="1">
-              <a:lnSpc>
-                <a:spcPct val="90000"/>
-              </a:lnSpc>
-              <a:spcBef>
-                <a:spcPts val="500"/>
-              </a:spcBef>
-              <a:buFont typeface="Arial"/>
-              <a:buChar char="•"/>
-              <a:defRPr sz="1800" kern="1200">
-                <a:solidFill>
-                  <a:schemeClr val="tx1"/>
-                </a:solidFill>
-                <a:latin typeface="+mn-lt"/>
-                <a:ea typeface="+mn-ea"/>
-                <a:cs typeface="+mn-cs"/>
-              </a:defRPr>
-            </a:lvl9pPr>
-          </a:lstStyle>
-          <a:p>
-            <a:pPr fontAlgn="auto">
-              <a:lnSpc>
-                <a:spcPct val="50000"/>
-              </a:lnSpc>
-              <a:spcAft>
-                <a:spcPts val="0"/>
-              </a:spcAft>
-            </a:pPr>
-            <a:r>
-              <a:rPr lang="en-US" sz="1050" b="0" i="0" cap="all" baseline="0" dirty="0">
-                <a:latin typeface="Arial Black" charset="0"/>
-              </a:rPr>
-              <a:t>Presenter or speaker name</a:t>
-            </a:r>
-          </a:p>
-          <a:p>
-            <a:pPr fontAlgn="auto">
-              <a:lnSpc>
-                <a:spcPct val="30000"/>
-              </a:lnSpc>
-              <a:spcAft>
-                <a:spcPts val="0"/>
-              </a:spcAft>
-            </a:pPr>
-            <a:r>
-              <a:rPr lang="en-US" sz="1050" dirty="0"/>
-              <a:t>Position/Role,</a:t>
-            </a:r>
-            <a:r>
-              <a:rPr lang="en-US" sz="1050" baseline="0" dirty="0"/>
-              <a:t> The University of Texas at Austin</a:t>
-            </a:r>
-            <a:endParaRPr lang="en-US" sz="1050" dirty="0"/>
-          </a:p>
-        </p:txBody>
-      </p:sp>
-      <p:sp>
-        <p:nvSpPr>
-          <p:cNvPr id="12" name="Text Placeholder 9"/>
-          <p:cNvSpPr txBox="1">
-            <a:spLocks/>
-          </p:cNvSpPr>
-          <p:nvPr/>
-        </p:nvSpPr>
-        <p:spPr>
-          <a:xfrm>
-            <a:off x="548640" y="457200"/>
-            <a:ext cx="7828444" cy="389296"/>
-          </a:xfrm>
-          <a:prstGeom prst="rect">
-            <a:avLst/>
-          </a:prstGeom>
-        </p:spPr>
-        <p:txBody>
-          <a:bodyPr vert="horz" lIns="91440" tIns="45720" rIns="91440" bIns="45720" rtlCol="0" anchor="ctr">
-            <a:noAutofit/>
-          </a:bodyPr>
-          <a:lstStyle>
-            <a:lvl1pPr marL="0" indent="0" algn="l" defTabSz="914400" rtl="0" eaLnBrk="1" latinLnBrk="0" hangingPunct="1">
-              <a:lnSpc>
-                <a:spcPct val="90000"/>
-              </a:lnSpc>
-              <a:spcBef>
-                <a:spcPts val="1000"/>
-              </a:spcBef>
-              <a:buFont typeface="Arial"/>
-              <a:buNone/>
-              <a:defRPr sz="1600" b="0" i="0" kern="1200" baseline="0">
-                <a:solidFill>
-                  <a:schemeClr val="bg1"/>
-                </a:solidFill>
-                <a:latin typeface="Arial" charset="0"/>
-                <a:ea typeface="Arial" charset="0"/>
-                <a:cs typeface="Arial" charset="0"/>
-              </a:defRPr>
-            </a:lvl1pPr>
-            <a:lvl2pPr marL="685800" indent="-228600" algn="l" defTabSz="914400" rtl="0" eaLnBrk="1" latinLnBrk="0" hangingPunct="1">
-              <a:lnSpc>
-                <a:spcPct val="90000"/>
-              </a:lnSpc>
-              <a:spcBef>
-                <a:spcPts val="500"/>
-              </a:spcBef>
-              <a:buFont typeface="Arial"/>
-              <a:buChar char="•"/>
-              <a:defRPr sz="2400" b="0" i="0" kern="1200">
-                <a:solidFill>
-                  <a:schemeClr val="bg1"/>
-                </a:solidFill>
-                <a:latin typeface="Arial" charset="0"/>
-                <a:ea typeface="Arial" charset="0"/>
-                <a:cs typeface="Arial" charset="0"/>
-              </a:defRPr>
-            </a:lvl2pPr>
-            <a:lvl3pPr marL="1143000" indent="-228600" algn="l" defTabSz="914400" rtl="0" eaLnBrk="1" latinLnBrk="0" hangingPunct="1">
-              <a:lnSpc>
-                <a:spcPct val="90000"/>
-              </a:lnSpc>
-              <a:spcBef>
-                <a:spcPts val="500"/>
-              </a:spcBef>
-              <a:buFont typeface="Arial"/>
-              <a:buChar char="•"/>
-              <a:defRPr sz="2000" b="0" i="0" kern="1200">
-                <a:solidFill>
-                  <a:schemeClr val="bg1"/>
-                </a:solidFill>
-                <a:latin typeface="Arial" charset="0"/>
-                <a:ea typeface="Arial" charset="0"/>
-                <a:cs typeface="Arial" charset="0"/>
-              </a:defRPr>
-            </a:lvl3pPr>
-            <a:lvl4pPr marL="1600200" indent="-228600" algn="l" defTabSz="914400" rtl="0" eaLnBrk="1" latinLnBrk="0" hangingPunct="1">
-              <a:lnSpc>
-                <a:spcPct val="90000"/>
-              </a:lnSpc>
-              <a:spcBef>
-                <a:spcPts val="500"/>
-              </a:spcBef>
-              <a:buFont typeface="Arial"/>
-              <a:buChar char="•"/>
-              <a:defRPr sz="1800" b="0" i="0" kern="1200">
-                <a:solidFill>
-                  <a:schemeClr val="bg1"/>
-                </a:solidFill>
-                <a:latin typeface="Arial" charset="0"/>
-                <a:ea typeface="Arial" charset="0"/>
-                <a:cs typeface="Arial" charset="0"/>
-              </a:defRPr>
-            </a:lvl4pPr>
-            <a:lvl5pPr marL="2057400" indent="-228600" algn="l" defTabSz="914400" rtl="0" eaLnBrk="1" latinLnBrk="0" hangingPunct="1">
-              <a:lnSpc>
-                <a:spcPct val="90000"/>
-              </a:lnSpc>
-              <a:spcBef>
-                <a:spcPts val="500"/>
-              </a:spcBef>
-              <a:buFont typeface="Arial"/>
-              <a:buChar char="•"/>
-              <a:defRPr sz="1800" b="0" i="0" kern="1200">
-                <a:solidFill>
-                  <a:schemeClr val="bg1"/>
-                </a:solidFill>
-                <a:latin typeface="Arial" charset="0"/>
-                <a:ea typeface="Arial" charset="0"/>
-                <a:cs typeface="Arial" charset="0"/>
-              </a:defRPr>
-            </a:lvl5pPr>
-            <a:lvl6pPr marL="2514600" indent="-228600" algn="l" defTabSz="914400" rtl="0" eaLnBrk="1" latinLnBrk="0" hangingPunct="1">
-              <a:lnSpc>
-                <a:spcPct val="90000"/>
-              </a:lnSpc>
-              <a:spcBef>
-                <a:spcPts val="500"/>
-              </a:spcBef>
-              <a:buFont typeface="Arial"/>
-              <a:buChar char="•"/>
-              <a:defRPr sz="1800" kern="1200">
-                <a:solidFill>
-                  <a:schemeClr val="tx1"/>
-                </a:solidFill>
-                <a:latin typeface="+mn-lt"/>
-                <a:ea typeface="+mn-ea"/>
-                <a:cs typeface="+mn-cs"/>
-              </a:defRPr>
-            </a:lvl6pPr>
-            <a:lvl7pPr marL="2971800" indent="-228600" algn="l" defTabSz="914400" rtl="0" eaLnBrk="1" latinLnBrk="0" hangingPunct="1">
-              <a:lnSpc>
-                <a:spcPct val="90000"/>
-              </a:lnSpc>
-              <a:spcBef>
-                <a:spcPts val="500"/>
-              </a:spcBef>
-              <a:buFont typeface="Arial"/>
-              <a:buChar char="•"/>
-              <a:defRPr sz="1800" kern="1200">
-                <a:solidFill>
-                  <a:schemeClr val="tx1"/>
-                </a:solidFill>
-                <a:latin typeface="+mn-lt"/>
-                <a:ea typeface="+mn-ea"/>
-                <a:cs typeface="+mn-cs"/>
-              </a:defRPr>
-            </a:lvl7pPr>
-            <a:lvl8pPr marL="3429000" indent="-228600" algn="l" defTabSz="914400" rtl="0" eaLnBrk="1" latinLnBrk="0" hangingPunct="1">
-              <a:lnSpc>
-                <a:spcPct val="90000"/>
-              </a:lnSpc>
-              <a:spcBef>
-                <a:spcPts val="500"/>
-              </a:spcBef>
-              <a:buFont typeface="Arial"/>
-              <a:buChar char="•"/>
-              <a:defRPr sz="1800" kern="1200">
-                <a:solidFill>
-                  <a:schemeClr val="tx1"/>
-                </a:solidFill>
-                <a:latin typeface="+mn-lt"/>
-                <a:ea typeface="+mn-ea"/>
-                <a:cs typeface="+mn-cs"/>
-              </a:defRPr>
-            </a:lvl8pPr>
-            <a:lvl9pPr marL="3886200" indent="-228600" algn="l" defTabSz="914400" rtl="0" eaLnBrk="1" latinLnBrk="0" hangingPunct="1">
-              <a:lnSpc>
-                <a:spcPct val="90000"/>
-              </a:lnSpc>
-              <a:spcBef>
-                <a:spcPts val="500"/>
-              </a:spcBef>
-              <a:buFont typeface="Arial"/>
-              <a:buChar char="•"/>
-              <a:defRPr sz="1800" kern="1200">
-                <a:solidFill>
-                  <a:schemeClr val="tx1"/>
-                </a:solidFill>
-                <a:latin typeface="+mn-lt"/>
-                <a:ea typeface="+mn-ea"/>
-                <a:cs typeface="+mn-cs"/>
-              </a:defRPr>
-            </a:lvl9pPr>
-          </a:lstStyle>
-          <a:p>
-            <a:pPr fontAlgn="auto">
-              <a:spcAft>
-                <a:spcPts val="0"/>
-              </a:spcAft>
-            </a:pPr>
-            <a:r>
-              <a:rPr lang="en-US" sz="1200" b="0" i="0" cap="all" baseline="0" dirty="0">
-                <a:latin typeface="Arial Black" charset="0"/>
-              </a:rPr>
-              <a:t>Month 20xx</a:t>
-            </a:r>
-            <a:endParaRPr lang="en-US" sz="1200" b="0" dirty="0"/>
-          </a:p>
-        </p:txBody>
-      </p:sp>
-      <p:sp>
-        <p:nvSpPr>
-          <p:cNvPr id="13" name="Title Placeholder 7"/>
-          <p:cNvSpPr txBox="1">
-            <a:spLocks/>
-          </p:cNvSpPr>
-          <p:nvPr/>
-        </p:nvSpPr>
-        <p:spPr>
-          <a:xfrm>
-            <a:off x="502920" y="1200150"/>
-            <a:ext cx="7886700" cy="1752600"/>
-          </a:xfrm>
-          <a:prstGeom prst="rect">
-            <a:avLst/>
-          </a:prstGeom>
-        </p:spPr>
-        <p:txBody>
-          <a:bodyPr vert="horz" wrap="square" lIns="91440" tIns="45720" rIns="91440" bIns="45720" rtlCol="0" anchor="b">
-            <a:noAutofit/>
-          </a:bodyPr>
-          <a:lstStyle>
-            <a:lvl1pPr algn="l" defTabSz="914400" rtl="0" eaLnBrk="1" latinLnBrk="0" hangingPunct="1">
-              <a:lnSpc>
-                <a:spcPts val="4000"/>
-              </a:lnSpc>
-              <a:spcBef>
-                <a:spcPct val="0"/>
-              </a:spcBef>
-              <a:buNone/>
-              <a:defRPr sz="4800" b="1" i="0" kern="800" cap="all" normalizeH="0" baseline="0">
-                <a:solidFill>
-                  <a:schemeClr val="bg1"/>
-                </a:solidFill>
-                <a:latin typeface="Arial Black" charset="0"/>
-                <a:ea typeface="Arial Black" charset="0"/>
-                <a:cs typeface="Arial Black" charset="0"/>
-              </a:defRPr>
-            </a:lvl1pPr>
-          </a:lstStyle>
-          <a:p>
-            <a:pPr fontAlgn="auto">
-              <a:spcAft>
-                <a:spcPts val="0"/>
-              </a:spcAft>
-            </a:pPr>
-            <a:r>
-              <a:rPr lang="en-US" dirty="0"/>
-              <a:t>Insert your</a:t>
-            </a:r>
-            <a:br>
-              <a:rPr lang="en-US" dirty="0"/>
-            </a:br>
-            <a:r>
-              <a:rPr lang="en-US" dirty="0"/>
-              <a:t>headline here</a:t>
-            </a:r>
-            <a:br>
-              <a:rPr lang="en-US" dirty="0"/>
-            </a:br>
-            <a:r>
-              <a:rPr lang="en-US" dirty="0"/>
-              <a:t>up to 3 lines</a:t>
-            </a:r>
-          </a:p>
-        </p:txBody>
-      </p:sp>
-      <p:sp>
-        <p:nvSpPr>
-          <p:cNvPr id="15" name="Text Placeholder 9"/>
-          <p:cNvSpPr txBox="1">
-            <a:spLocks/>
-          </p:cNvSpPr>
-          <p:nvPr/>
-        </p:nvSpPr>
-        <p:spPr>
-          <a:xfrm>
-            <a:off x="548640" y="3333749"/>
-            <a:ext cx="7886700" cy="457201"/>
-          </a:xfrm>
-          <a:prstGeom prst="rect">
-            <a:avLst/>
-          </a:prstGeom>
-        </p:spPr>
-        <p:txBody>
-          <a:bodyPr vert="horz" lIns="91440" tIns="45720" rIns="91440" bIns="45720" rtlCol="0">
-            <a:noAutofit/>
-          </a:bodyPr>
-          <a:lstStyle>
-            <a:lvl1pPr marL="0" indent="0" algn="l" defTabSz="914400" rtl="0" eaLnBrk="1" latinLnBrk="0" hangingPunct="1">
-              <a:lnSpc>
-                <a:spcPct val="90000"/>
-              </a:lnSpc>
-              <a:spcBef>
-                <a:spcPts val="1000"/>
-              </a:spcBef>
-              <a:buFont typeface="Arial"/>
-              <a:buNone/>
-              <a:defRPr sz="1400" b="0" i="0" kern="1200" baseline="0">
-                <a:solidFill>
-                  <a:schemeClr val="bg1"/>
-                </a:solidFill>
-                <a:latin typeface="Arial" charset="0"/>
-                <a:ea typeface="Arial" charset="0"/>
-                <a:cs typeface="Arial" charset="0"/>
-              </a:defRPr>
-            </a:lvl1pPr>
-            <a:lvl2pPr marL="685800" indent="-228600" algn="l" defTabSz="914400" rtl="0" eaLnBrk="1" latinLnBrk="0" hangingPunct="1">
-              <a:lnSpc>
-                <a:spcPct val="90000"/>
-              </a:lnSpc>
-              <a:spcBef>
-                <a:spcPts val="500"/>
-              </a:spcBef>
-              <a:buFont typeface="Arial"/>
-              <a:buChar char="•"/>
-              <a:defRPr sz="2400" b="0" i="0" kern="1200">
-                <a:solidFill>
-                  <a:schemeClr val="bg1"/>
-                </a:solidFill>
-                <a:latin typeface="Arial" charset="0"/>
-                <a:ea typeface="Arial" charset="0"/>
-                <a:cs typeface="Arial" charset="0"/>
-              </a:defRPr>
-            </a:lvl2pPr>
-            <a:lvl3pPr marL="1143000" indent="-228600" algn="l" defTabSz="914400" rtl="0" eaLnBrk="1" latinLnBrk="0" hangingPunct="1">
-              <a:lnSpc>
-                <a:spcPct val="90000"/>
-              </a:lnSpc>
-              <a:spcBef>
-                <a:spcPts val="500"/>
-              </a:spcBef>
-              <a:buFont typeface="Arial"/>
-              <a:buChar char="•"/>
-              <a:defRPr sz="2000" b="0" i="0" kern="1200">
-                <a:solidFill>
-                  <a:schemeClr val="bg1"/>
-                </a:solidFill>
-                <a:latin typeface="Arial" charset="0"/>
-                <a:ea typeface="Arial" charset="0"/>
-                <a:cs typeface="Arial" charset="0"/>
-              </a:defRPr>
-            </a:lvl3pPr>
-            <a:lvl4pPr marL="1600200" indent="-228600" algn="l" defTabSz="914400" rtl="0" eaLnBrk="1" latinLnBrk="0" hangingPunct="1">
-              <a:lnSpc>
-                <a:spcPct val="90000"/>
-              </a:lnSpc>
-              <a:spcBef>
-                <a:spcPts val="500"/>
-              </a:spcBef>
-              <a:buFont typeface="Arial"/>
-              <a:buChar char="•"/>
-              <a:defRPr sz="1800" b="0" i="0" kern="1200">
-                <a:solidFill>
-                  <a:schemeClr val="bg1"/>
-                </a:solidFill>
-                <a:latin typeface="Arial" charset="0"/>
-                <a:ea typeface="Arial" charset="0"/>
-                <a:cs typeface="Arial" charset="0"/>
-              </a:defRPr>
-            </a:lvl4pPr>
-            <a:lvl5pPr marL="2057400" indent="-228600" algn="l" defTabSz="914400" rtl="0" eaLnBrk="1" latinLnBrk="0" hangingPunct="1">
-              <a:lnSpc>
-                <a:spcPct val="90000"/>
-              </a:lnSpc>
-              <a:spcBef>
-                <a:spcPts val="500"/>
-              </a:spcBef>
-              <a:buFont typeface="Arial"/>
-              <a:buChar char="•"/>
-              <a:defRPr sz="1800" b="0" i="0" kern="1200">
-                <a:solidFill>
-                  <a:schemeClr val="bg1"/>
-                </a:solidFill>
-                <a:latin typeface="Arial" charset="0"/>
-                <a:ea typeface="Arial" charset="0"/>
-                <a:cs typeface="Arial" charset="0"/>
-              </a:defRPr>
-            </a:lvl5pPr>
-            <a:lvl6pPr marL="2514600" indent="-228600" algn="l" defTabSz="914400" rtl="0" eaLnBrk="1" latinLnBrk="0" hangingPunct="1">
-              <a:lnSpc>
-                <a:spcPct val="90000"/>
-              </a:lnSpc>
-              <a:spcBef>
-                <a:spcPts val="500"/>
-              </a:spcBef>
-              <a:buFont typeface="Arial"/>
-              <a:buChar char="•"/>
-              <a:defRPr sz="1800" kern="1200">
-                <a:solidFill>
-                  <a:schemeClr val="tx1"/>
-                </a:solidFill>
-                <a:latin typeface="+mn-lt"/>
-                <a:ea typeface="+mn-ea"/>
-                <a:cs typeface="+mn-cs"/>
-              </a:defRPr>
-            </a:lvl6pPr>
-            <a:lvl7pPr marL="2971800" indent="-228600" algn="l" defTabSz="914400" rtl="0" eaLnBrk="1" latinLnBrk="0" hangingPunct="1">
-              <a:lnSpc>
-                <a:spcPct val="90000"/>
-              </a:lnSpc>
-              <a:spcBef>
-                <a:spcPts val="500"/>
-              </a:spcBef>
-              <a:buFont typeface="Arial"/>
-              <a:buChar char="•"/>
-              <a:defRPr sz="1800" kern="1200">
-                <a:solidFill>
-                  <a:schemeClr val="tx1"/>
-                </a:solidFill>
-                <a:latin typeface="+mn-lt"/>
-                <a:ea typeface="+mn-ea"/>
-                <a:cs typeface="+mn-cs"/>
-              </a:defRPr>
-            </a:lvl7pPr>
-            <a:lvl8pPr marL="3429000" indent="-228600" algn="l" defTabSz="914400" rtl="0" eaLnBrk="1" latinLnBrk="0" hangingPunct="1">
-              <a:lnSpc>
-                <a:spcPct val="90000"/>
-              </a:lnSpc>
-              <a:spcBef>
-                <a:spcPts val="500"/>
-              </a:spcBef>
-              <a:buFont typeface="Arial"/>
-              <a:buChar char="•"/>
-              <a:defRPr sz="1800" kern="1200">
-                <a:solidFill>
-                  <a:schemeClr val="tx1"/>
-                </a:solidFill>
-                <a:latin typeface="+mn-lt"/>
-                <a:ea typeface="+mn-ea"/>
-                <a:cs typeface="+mn-cs"/>
-              </a:defRPr>
-            </a:lvl8pPr>
-            <a:lvl9pPr marL="3886200" indent="-228600" algn="l" defTabSz="914400" rtl="0" eaLnBrk="1" latinLnBrk="0" hangingPunct="1">
-              <a:lnSpc>
-                <a:spcPct val="90000"/>
-              </a:lnSpc>
-              <a:spcBef>
-                <a:spcPts val="500"/>
-              </a:spcBef>
-              <a:buFont typeface="Arial"/>
-              <a:buChar char="•"/>
-              <a:defRPr sz="1800" kern="1200">
-                <a:solidFill>
-                  <a:schemeClr val="tx1"/>
-                </a:solidFill>
-                <a:latin typeface="+mn-lt"/>
-                <a:ea typeface="+mn-ea"/>
-                <a:cs typeface="+mn-cs"/>
-              </a:defRPr>
-            </a:lvl9pPr>
-          </a:lstStyle>
-          <a:p>
-            <a:pPr fontAlgn="auto">
-              <a:spcAft>
-                <a:spcPts val="0"/>
-              </a:spcAft>
-            </a:pPr>
-            <a:r>
-              <a:rPr lang="en-US" dirty="0"/>
-              <a:t>Insert your subtitle or any additional description text here up to</a:t>
-            </a:r>
-            <a:br>
-              <a:rPr lang="en-US" dirty="0"/>
-            </a:br>
-            <a:r>
-              <a:rPr lang="en-US" dirty="0"/>
-              <a:t>two lines of text or you can delete this text box</a:t>
-            </a:r>
-          </a:p>
-        </p:txBody>
-      </p:sp>
-      <p:pic>
-        <p:nvPicPr>
-          <p:cNvPr id="16" name="Picture 15"/>
-          <p:cNvPicPr>
-            <a:picLocks noChangeAspect="1"/>
-          </p:cNvPicPr>
-          <p:nvPr/>
-        </p:nvPicPr>
-        <p:blipFill>
-          <a:blip r:embed="rId4">
-            <a:extLst>
-              <a:ext uri="{28A0092B-C50C-407E-A947-70E740481C1C}">
-                <a14:useLocalDpi xmlns:a14="http://schemas.microsoft.com/office/drawing/2010/main" val="0"/>
-              </a:ext>
-            </a:extLst>
-          </a:blip>
-          <a:stretch>
-            <a:fillRect/>
-          </a:stretch>
-        </p:blipFill>
-        <p:spPr>
-          <a:xfrm>
-            <a:off x="6978699" y="320040"/>
-            <a:ext cx="1877397" cy="914400"/>
-          </a:xfrm>
-          <a:prstGeom prst="rect">
-            <a:avLst/>
-          </a:prstGeom>
-        </p:spPr>
-      </p:pic>
-    </p:spTree>
-    <p:extLst>
-      <p:ext uri="{BB962C8B-B14F-4D97-AF65-F5344CB8AC3E}">
-        <p14:creationId xmlns:p14="http://schemas.microsoft.com/office/powerpoint/2010/main" val="434739919"/>
-      </p:ext>
-    </p:extLst>
-  </p:cSld>
-  <p:clrMapOvr>
-    <a:masterClrMapping/>
-  </p:clrMapOvr>
-</p:sld>
-</file>
-
-<file path=ppt/slides/slide4.xml><?xml version="1.0" encoding="utf-8"?>
-<p:sld xmlns:a="http://schemas.openxmlformats.org/drawingml/2006/main" xmlns:r="http://schemas.openxmlformats.org/officeDocument/2006/relationships" xmlns:p="http://schemas.openxmlformats.org/presentationml/2006/main">
-  <p:cSld>
-    <p:bg>
-      <p:bgPr>
-        <a:solidFill>
-          <a:srgbClr val="BF5700"/>
-        </a:solidFill>
-        <a:effectLst/>
-      </p:bgPr>
-    </p:bg>
-    <p:spTree>
-      <p:nvGrpSpPr>
-        <p:cNvPr id="1" name=""/>
-        <p:cNvGrpSpPr/>
-        <p:nvPr/>
-      </p:nvGrpSpPr>
-      <p:grpSpPr>
-        <a:xfrm>
-          <a:off x="0" y="0"/>
-          <a:ext cx="0" cy="0"/>
-          <a:chOff x="0" y="0"/>
-          <a:chExt cx="0" cy="0"/>
-        </a:xfrm>
-      </p:grpSpPr>
-      <p:cxnSp>
-        <p:nvCxnSpPr>
-          <p:cNvPr id="10" name="Straight Connector 9"/>
-          <p:cNvCxnSpPr/>
-          <p:nvPr/>
-        </p:nvCxnSpPr>
-        <p:spPr>
-          <a:xfrm>
-            <a:off x="628650" y="3105150"/>
-            <a:ext cx="5619750" cy="0"/>
-          </a:xfrm>
-          <a:prstGeom prst="line">
-            <a:avLst/>
-          </a:prstGeom>
-          <a:ln w="19050">
-            <a:solidFill>
-              <a:schemeClr val="bg1"/>
-            </a:solidFill>
-          </a:ln>
-        </p:spPr>
-        <p:style>
-          <a:lnRef idx="1">
-            <a:schemeClr val="accent1"/>
-          </a:lnRef>
-          <a:fillRef idx="0">
-            <a:schemeClr val="accent1"/>
-          </a:fillRef>
-          <a:effectRef idx="0">
-            <a:schemeClr val="accent1"/>
-          </a:effectRef>
-          <a:fontRef idx="minor">
-            <a:schemeClr val="tx1"/>
-          </a:fontRef>
-        </p:style>
-      </p:cxnSp>
-      <p:sp>
-        <p:nvSpPr>
-          <p:cNvPr id="11" name="Text Placeholder 9"/>
-          <p:cNvSpPr txBox="1">
-            <a:spLocks/>
-          </p:cNvSpPr>
-          <p:nvPr/>
-        </p:nvSpPr>
-        <p:spPr>
-          <a:xfrm>
-            <a:off x="548640" y="4114800"/>
-            <a:ext cx="7886700" cy="457201"/>
-          </a:xfrm>
-          <a:prstGeom prst="rect">
-            <a:avLst/>
-          </a:prstGeom>
-        </p:spPr>
-        <p:txBody>
-          <a:bodyPr vert="horz" lIns="91440" tIns="45720" rIns="91440" bIns="45720" rtlCol="0" anchor="b">
-            <a:noAutofit/>
-          </a:bodyPr>
-          <a:lstStyle>
-            <a:lvl1pPr marL="0" indent="0" algn="l" defTabSz="914400" rtl="0" eaLnBrk="1" latinLnBrk="0" hangingPunct="1">
-              <a:lnSpc>
-                <a:spcPct val="90000"/>
-              </a:lnSpc>
-              <a:spcBef>
-                <a:spcPts val="1000"/>
-              </a:spcBef>
-              <a:buFont typeface="Arial"/>
-              <a:buNone/>
-              <a:defRPr sz="1600" b="0" i="0" kern="1200" baseline="0">
-                <a:solidFill>
-                  <a:schemeClr val="bg1"/>
-                </a:solidFill>
-                <a:latin typeface="Arial" charset="0"/>
-                <a:ea typeface="Arial" charset="0"/>
-                <a:cs typeface="Arial" charset="0"/>
-              </a:defRPr>
-            </a:lvl1pPr>
-            <a:lvl2pPr marL="685800" indent="-228600" algn="l" defTabSz="914400" rtl="0" eaLnBrk="1" latinLnBrk="0" hangingPunct="1">
-              <a:lnSpc>
-                <a:spcPct val="90000"/>
-              </a:lnSpc>
-              <a:spcBef>
-                <a:spcPts val="500"/>
-              </a:spcBef>
-              <a:buFont typeface="Arial"/>
-              <a:buChar char="•"/>
-              <a:defRPr sz="2400" b="0" i="0" kern="1200">
-                <a:solidFill>
-                  <a:schemeClr val="bg1"/>
-                </a:solidFill>
-                <a:latin typeface="Arial" charset="0"/>
-                <a:ea typeface="Arial" charset="0"/>
-                <a:cs typeface="Arial" charset="0"/>
-              </a:defRPr>
-            </a:lvl2pPr>
-            <a:lvl3pPr marL="1143000" indent="-228600" algn="l" defTabSz="914400" rtl="0" eaLnBrk="1" latinLnBrk="0" hangingPunct="1">
-              <a:lnSpc>
-                <a:spcPct val="90000"/>
-              </a:lnSpc>
-              <a:spcBef>
-                <a:spcPts val="500"/>
-              </a:spcBef>
-              <a:buFont typeface="Arial"/>
-              <a:buChar char="•"/>
-              <a:defRPr sz="2000" b="0" i="0" kern="1200">
-                <a:solidFill>
-                  <a:schemeClr val="bg1"/>
-                </a:solidFill>
-                <a:latin typeface="Arial" charset="0"/>
-                <a:ea typeface="Arial" charset="0"/>
-                <a:cs typeface="Arial" charset="0"/>
-              </a:defRPr>
-            </a:lvl3pPr>
-            <a:lvl4pPr marL="1600200" indent="-228600" algn="l" defTabSz="914400" rtl="0" eaLnBrk="1" latinLnBrk="0" hangingPunct="1">
-              <a:lnSpc>
-                <a:spcPct val="90000"/>
-              </a:lnSpc>
-              <a:spcBef>
-                <a:spcPts val="500"/>
-              </a:spcBef>
-              <a:buFont typeface="Arial"/>
-              <a:buChar char="•"/>
-              <a:defRPr sz="1800" b="0" i="0" kern="1200">
-                <a:solidFill>
-                  <a:schemeClr val="bg1"/>
-                </a:solidFill>
-                <a:latin typeface="Arial" charset="0"/>
-                <a:ea typeface="Arial" charset="0"/>
-                <a:cs typeface="Arial" charset="0"/>
-              </a:defRPr>
-            </a:lvl4pPr>
-            <a:lvl5pPr marL="2057400" indent="-228600" algn="l" defTabSz="914400" rtl="0" eaLnBrk="1" latinLnBrk="0" hangingPunct="1">
-              <a:lnSpc>
-                <a:spcPct val="90000"/>
-              </a:lnSpc>
-              <a:spcBef>
-                <a:spcPts val="500"/>
-              </a:spcBef>
-              <a:buFont typeface="Arial"/>
-              <a:buChar char="•"/>
-              <a:defRPr sz="1800" b="0" i="0" kern="1200">
-                <a:solidFill>
-                  <a:schemeClr val="bg1"/>
-                </a:solidFill>
-                <a:latin typeface="Arial" charset="0"/>
-                <a:ea typeface="Arial" charset="0"/>
-                <a:cs typeface="Arial" charset="0"/>
-              </a:defRPr>
-            </a:lvl5pPr>
-            <a:lvl6pPr marL="2514600" indent="-228600" algn="l" defTabSz="914400" rtl="0" eaLnBrk="1" latinLnBrk="0" hangingPunct="1">
-              <a:lnSpc>
-                <a:spcPct val="90000"/>
-              </a:lnSpc>
-              <a:spcBef>
-                <a:spcPts val="500"/>
-              </a:spcBef>
-              <a:buFont typeface="Arial"/>
-              <a:buChar char="•"/>
-              <a:defRPr sz="1800" kern="1200">
-                <a:solidFill>
-                  <a:schemeClr val="tx1"/>
-                </a:solidFill>
-                <a:latin typeface="+mn-lt"/>
-                <a:ea typeface="+mn-ea"/>
-                <a:cs typeface="+mn-cs"/>
-              </a:defRPr>
-            </a:lvl6pPr>
-            <a:lvl7pPr marL="2971800" indent="-228600" algn="l" defTabSz="914400" rtl="0" eaLnBrk="1" latinLnBrk="0" hangingPunct="1">
-              <a:lnSpc>
-                <a:spcPct val="90000"/>
-              </a:lnSpc>
-              <a:spcBef>
-                <a:spcPts val="500"/>
-              </a:spcBef>
-              <a:buFont typeface="Arial"/>
-              <a:buChar char="•"/>
-              <a:defRPr sz="1800" kern="1200">
-                <a:solidFill>
-                  <a:schemeClr val="tx1"/>
-                </a:solidFill>
-                <a:latin typeface="+mn-lt"/>
-                <a:ea typeface="+mn-ea"/>
-                <a:cs typeface="+mn-cs"/>
-              </a:defRPr>
-            </a:lvl7pPr>
-            <a:lvl8pPr marL="3429000" indent="-228600" algn="l" defTabSz="914400" rtl="0" eaLnBrk="1" latinLnBrk="0" hangingPunct="1">
-              <a:lnSpc>
-                <a:spcPct val="90000"/>
-              </a:lnSpc>
-              <a:spcBef>
-                <a:spcPts val="500"/>
-              </a:spcBef>
-              <a:buFont typeface="Arial"/>
-              <a:buChar char="•"/>
-              <a:defRPr sz="1800" kern="1200">
-                <a:solidFill>
-                  <a:schemeClr val="tx1"/>
-                </a:solidFill>
-                <a:latin typeface="+mn-lt"/>
-                <a:ea typeface="+mn-ea"/>
-                <a:cs typeface="+mn-cs"/>
-              </a:defRPr>
-            </a:lvl8pPr>
-            <a:lvl9pPr marL="3886200" indent="-228600" algn="l" defTabSz="914400" rtl="0" eaLnBrk="1" latinLnBrk="0" hangingPunct="1">
-              <a:lnSpc>
-                <a:spcPct val="90000"/>
-              </a:lnSpc>
-              <a:spcBef>
-                <a:spcPts val="500"/>
-              </a:spcBef>
-              <a:buFont typeface="Arial"/>
-              <a:buChar char="•"/>
-              <a:defRPr sz="1800" kern="1200">
-                <a:solidFill>
-                  <a:schemeClr val="tx1"/>
-                </a:solidFill>
-                <a:latin typeface="+mn-lt"/>
-                <a:ea typeface="+mn-ea"/>
-                <a:cs typeface="+mn-cs"/>
-              </a:defRPr>
-            </a:lvl9pPr>
-          </a:lstStyle>
-          <a:p>
-            <a:pPr fontAlgn="auto">
-              <a:lnSpc>
-                <a:spcPct val="50000"/>
-              </a:lnSpc>
-              <a:spcAft>
-                <a:spcPts val="0"/>
-              </a:spcAft>
-            </a:pPr>
-            <a:r>
-              <a:rPr lang="en-US" sz="1050" b="0" i="0" cap="all" baseline="0" dirty="0">
-                <a:latin typeface="Arial Black" charset="0"/>
-              </a:rPr>
-              <a:t>Presenter or speaker name</a:t>
-            </a:r>
-          </a:p>
-          <a:p>
-            <a:pPr fontAlgn="auto">
-              <a:lnSpc>
-                <a:spcPct val="30000"/>
-              </a:lnSpc>
-              <a:spcAft>
-                <a:spcPts val="0"/>
-              </a:spcAft>
-            </a:pPr>
-            <a:r>
-              <a:rPr lang="en-US" sz="1050" dirty="0"/>
-              <a:t>Position/Role,</a:t>
-            </a:r>
-            <a:r>
-              <a:rPr lang="en-US" sz="1050" baseline="0" dirty="0"/>
-              <a:t> The University of Texas at Austin</a:t>
-            </a:r>
-            <a:endParaRPr lang="en-US" sz="1050" dirty="0"/>
-          </a:p>
-        </p:txBody>
-      </p:sp>
-      <p:sp>
-        <p:nvSpPr>
-          <p:cNvPr id="12" name="Text Placeholder 9"/>
-          <p:cNvSpPr txBox="1">
-            <a:spLocks/>
-          </p:cNvSpPr>
-          <p:nvPr/>
-        </p:nvSpPr>
-        <p:spPr>
-          <a:xfrm>
-            <a:off x="548640" y="457200"/>
-            <a:ext cx="7828444" cy="389296"/>
-          </a:xfrm>
-          <a:prstGeom prst="rect">
-            <a:avLst/>
-          </a:prstGeom>
-        </p:spPr>
-        <p:txBody>
-          <a:bodyPr vert="horz" lIns="91440" tIns="45720" rIns="91440" bIns="45720" rtlCol="0" anchor="ctr">
-            <a:noAutofit/>
-          </a:bodyPr>
-          <a:lstStyle>
-            <a:lvl1pPr marL="0" indent="0" algn="l" defTabSz="914400" rtl="0" eaLnBrk="1" latinLnBrk="0" hangingPunct="1">
-              <a:lnSpc>
-                <a:spcPct val="90000"/>
-              </a:lnSpc>
-              <a:spcBef>
-                <a:spcPts val="1000"/>
-              </a:spcBef>
-              <a:buFont typeface="Arial"/>
-              <a:buNone/>
-              <a:defRPr sz="1600" b="0" i="0" kern="1200" baseline="0">
-                <a:solidFill>
-                  <a:schemeClr val="bg1"/>
-                </a:solidFill>
-                <a:latin typeface="Arial" charset="0"/>
-                <a:ea typeface="Arial" charset="0"/>
-                <a:cs typeface="Arial" charset="0"/>
-              </a:defRPr>
-            </a:lvl1pPr>
-            <a:lvl2pPr marL="685800" indent="-228600" algn="l" defTabSz="914400" rtl="0" eaLnBrk="1" latinLnBrk="0" hangingPunct="1">
-              <a:lnSpc>
-                <a:spcPct val="90000"/>
-              </a:lnSpc>
-              <a:spcBef>
-                <a:spcPts val="500"/>
-              </a:spcBef>
-              <a:buFont typeface="Arial"/>
-              <a:buChar char="•"/>
-              <a:defRPr sz="2400" b="0" i="0" kern="1200">
-                <a:solidFill>
-                  <a:schemeClr val="bg1"/>
-                </a:solidFill>
-                <a:latin typeface="Arial" charset="0"/>
-                <a:ea typeface="Arial" charset="0"/>
-                <a:cs typeface="Arial" charset="0"/>
-              </a:defRPr>
-            </a:lvl2pPr>
-            <a:lvl3pPr marL="1143000" indent="-228600" algn="l" defTabSz="914400" rtl="0" eaLnBrk="1" latinLnBrk="0" hangingPunct="1">
-              <a:lnSpc>
-                <a:spcPct val="90000"/>
-              </a:lnSpc>
-              <a:spcBef>
-                <a:spcPts val="500"/>
-              </a:spcBef>
-              <a:buFont typeface="Arial"/>
-              <a:buChar char="•"/>
-              <a:defRPr sz="2000" b="0" i="0" kern="1200">
-                <a:solidFill>
-                  <a:schemeClr val="bg1"/>
-                </a:solidFill>
-                <a:latin typeface="Arial" charset="0"/>
-                <a:ea typeface="Arial" charset="0"/>
-                <a:cs typeface="Arial" charset="0"/>
-              </a:defRPr>
-            </a:lvl3pPr>
-            <a:lvl4pPr marL="1600200" indent="-228600" algn="l" defTabSz="914400" rtl="0" eaLnBrk="1" latinLnBrk="0" hangingPunct="1">
-              <a:lnSpc>
-                <a:spcPct val="90000"/>
-              </a:lnSpc>
-              <a:spcBef>
-                <a:spcPts val="500"/>
-              </a:spcBef>
-              <a:buFont typeface="Arial"/>
-              <a:buChar char="•"/>
-              <a:defRPr sz="1800" b="0" i="0" kern="1200">
-                <a:solidFill>
-                  <a:schemeClr val="bg1"/>
-                </a:solidFill>
-                <a:latin typeface="Arial" charset="0"/>
-                <a:ea typeface="Arial" charset="0"/>
-                <a:cs typeface="Arial" charset="0"/>
-              </a:defRPr>
-            </a:lvl4pPr>
-            <a:lvl5pPr marL="2057400" indent="-228600" algn="l" defTabSz="914400" rtl="0" eaLnBrk="1" latinLnBrk="0" hangingPunct="1">
-              <a:lnSpc>
-                <a:spcPct val="90000"/>
-              </a:lnSpc>
-              <a:spcBef>
-                <a:spcPts val="500"/>
-              </a:spcBef>
-              <a:buFont typeface="Arial"/>
-              <a:buChar char="•"/>
-              <a:defRPr sz="1800" b="0" i="0" kern="1200">
-                <a:solidFill>
-                  <a:schemeClr val="bg1"/>
-                </a:solidFill>
-                <a:latin typeface="Arial" charset="0"/>
-                <a:ea typeface="Arial" charset="0"/>
-                <a:cs typeface="Arial" charset="0"/>
-              </a:defRPr>
-            </a:lvl5pPr>
-            <a:lvl6pPr marL="2514600" indent="-228600" algn="l" defTabSz="914400" rtl="0" eaLnBrk="1" latinLnBrk="0" hangingPunct="1">
-              <a:lnSpc>
-                <a:spcPct val="90000"/>
-              </a:lnSpc>
-              <a:spcBef>
-                <a:spcPts val="500"/>
-              </a:spcBef>
-              <a:buFont typeface="Arial"/>
-              <a:buChar char="•"/>
-              <a:defRPr sz="1800" kern="1200">
-                <a:solidFill>
-                  <a:schemeClr val="tx1"/>
-                </a:solidFill>
-                <a:latin typeface="+mn-lt"/>
-                <a:ea typeface="+mn-ea"/>
-                <a:cs typeface="+mn-cs"/>
-              </a:defRPr>
-            </a:lvl6pPr>
-            <a:lvl7pPr marL="2971800" indent="-228600" algn="l" defTabSz="914400" rtl="0" eaLnBrk="1" latinLnBrk="0" hangingPunct="1">
-              <a:lnSpc>
-                <a:spcPct val="90000"/>
-              </a:lnSpc>
-              <a:spcBef>
-                <a:spcPts val="500"/>
-              </a:spcBef>
-              <a:buFont typeface="Arial"/>
-              <a:buChar char="•"/>
-              <a:defRPr sz="1800" kern="1200">
-                <a:solidFill>
-                  <a:schemeClr val="tx1"/>
-                </a:solidFill>
-                <a:latin typeface="+mn-lt"/>
-                <a:ea typeface="+mn-ea"/>
-                <a:cs typeface="+mn-cs"/>
-              </a:defRPr>
-            </a:lvl7pPr>
-            <a:lvl8pPr marL="3429000" indent="-228600" algn="l" defTabSz="914400" rtl="0" eaLnBrk="1" latinLnBrk="0" hangingPunct="1">
-              <a:lnSpc>
-                <a:spcPct val="90000"/>
-              </a:lnSpc>
-              <a:spcBef>
-                <a:spcPts val="500"/>
-              </a:spcBef>
-              <a:buFont typeface="Arial"/>
-              <a:buChar char="•"/>
-              <a:defRPr sz="1800" kern="1200">
-                <a:solidFill>
-                  <a:schemeClr val="tx1"/>
-                </a:solidFill>
-                <a:latin typeface="+mn-lt"/>
-                <a:ea typeface="+mn-ea"/>
-                <a:cs typeface="+mn-cs"/>
-              </a:defRPr>
-            </a:lvl8pPr>
-            <a:lvl9pPr marL="3886200" indent="-228600" algn="l" defTabSz="914400" rtl="0" eaLnBrk="1" latinLnBrk="0" hangingPunct="1">
-              <a:lnSpc>
-                <a:spcPct val="90000"/>
-              </a:lnSpc>
-              <a:spcBef>
-                <a:spcPts val="500"/>
-              </a:spcBef>
-              <a:buFont typeface="Arial"/>
-              <a:buChar char="•"/>
-              <a:defRPr sz="1800" kern="1200">
-                <a:solidFill>
-                  <a:schemeClr val="tx1"/>
-                </a:solidFill>
-                <a:latin typeface="+mn-lt"/>
-                <a:ea typeface="+mn-ea"/>
-                <a:cs typeface="+mn-cs"/>
-              </a:defRPr>
-            </a:lvl9pPr>
-          </a:lstStyle>
-          <a:p>
-            <a:pPr fontAlgn="auto">
-              <a:spcAft>
-                <a:spcPts val="0"/>
-              </a:spcAft>
-            </a:pPr>
-            <a:r>
-              <a:rPr lang="en-US" sz="1200" b="0" i="0" cap="all" baseline="0" dirty="0">
-                <a:latin typeface="Arial Black" charset="0"/>
-              </a:rPr>
-              <a:t>Month 20xx</a:t>
-            </a:r>
-            <a:endParaRPr lang="en-US" sz="1200" b="0" dirty="0"/>
-          </a:p>
-        </p:txBody>
-      </p:sp>
-      <p:sp>
-        <p:nvSpPr>
-          <p:cNvPr id="13" name="Title Placeholder 7"/>
-          <p:cNvSpPr txBox="1">
-            <a:spLocks/>
-          </p:cNvSpPr>
-          <p:nvPr/>
-        </p:nvSpPr>
-        <p:spPr>
-          <a:xfrm>
-            <a:off x="502920" y="1200150"/>
-            <a:ext cx="7886700" cy="1752600"/>
-          </a:xfrm>
-          <a:prstGeom prst="rect">
-            <a:avLst/>
-          </a:prstGeom>
-        </p:spPr>
-        <p:txBody>
-          <a:bodyPr vert="horz" wrap="square" lIns="91440" tIns="45720" rIns="91440" bIns="45720" rtlCol="0" anchor="b">
-            <a:noAutofit/>
-          </a:bodyPr>
-          <a:lstStyle>
-            <a:lvl1pPr algn="l" defTabSz="914400" rtl="0" eaLnBrk="1" latinLnBrk="0" hangingPunct="1">
-              <a:lnSpc>
-                <a:spcPts val="4000"/>
-              </a:lnSpc>
-              <a:spcBef>
-                <a:spcPct val="0"/>
-              </a:spcBef>
-              <a:buNone/>
-              <a:defRPr sz="4800" b="1" i="0" kern="800" cap="all" normalizeH="0" baseline="0">
-                <a:solidFill>
-                  <a:schemeClr val="bg1"/>
-                </a:solidFill>
-                <a:latin typeface="Arial Black" charset="0"/>
-                <a:ea typeface="Arial Black" charset="0"/>
-                <a:cs typeface="Arial Black" charset="0"/>
-              </a:defRPr>
-            </a:lvl1pPr>
-          </a:lstStyle>
-          <a:p>
-            <a:pPr fontAlgn="auto">
-              <a:spcAft>
-                <a:spcPts val="0"/>
-              </a:spcAft>
-            </a:pPr>
-            <a:r>
-              <a:rPr lang="en-US" dirty="0"/>
-              <a:t>Insert your</a:t>
-            </a:r>
-            <a:br>
-              <a:rPr lang="en-US" dirty="0"/>
-            </a:br>
-            <a:r>
-              <a:rPr lang="en-US" dirty="0"/>
-              <a:t>headline here</a:t>
-            </a:r>
-            <a:br>
-              <a:rPr lang="en-US" dirty="0"/>
-            </a:br>
-            <a:r>
-              <a:rPr lang="en-US" dirty="0"/>
-              <a:t>up to 3 lines</a:t>
-            </a:r>
-          </a:p>
-        </p:txBody>
-      </p:sp>
-      <p:sp>
-        <p:nvSpPr>
-          <p:cNvPr id="15" name="Text Placeholder 9"/>
-          <p:cNvSpPr txBox="1">
-            <a:spLocks/>
-          </p:cNvSpPr>
-          <p:nvPr/>
-        </p:nvSpPr>
-        <p:spPr>
-          <a:xfrm>
-            <a:off x="548640" y="3333749"/>
-            <a:ext cx="7886700" cy="457201"/>
-          </a:xfrm>
-          <a:prstGeom prst="rect">
-            <a:avLst/>
-          </a:prstGeom>
-        </p:spPr>
-        <p:txBody>
-          <a:bodyPr vert="horz" lIns="91440" tIns="45720" rIns="91440" bIns="45720" rtlCol="0">
-            <a:noAutofit/>
-          </a:bodyPr>
-          <a:lstStyle>
-            <a:lvl1pPr marL="0" indent="0" algn="l" defTabSz="914400" rtl="0" eaLnBrk="1" latinLnBrk="0" hangingPunct="1">
-              <a:lnSpc>
-                <a:spcPct val="90000"/>
-              </a:lnSpc>
-              <a:spcBef>
-                <a:spcPts val="1000"/>
-              </a:spcBef>
-              <a:buFont typeface="Arial"/>
-              <a:buNone/>
-              <a:defRPr sz="1400" b="0" i="0" kern="1200" baseline="0">
-                <a:solidFill>
-                  <a:schemeClr val="bg1"/>
-                </a:solidFill>
-                <a:latin typeface="Arial" charset="0"/>
-                <a:ea typeface="Arial" charset="0"/>
-                <a:cs typeface="Arial" charset="0"/>
-              </a:defRPr>
-            </a:lvl1pPr>
-            <a:lvl2pPr marL="685800" indent="-228600" algn="l" defTabSz="914400" rtl="0" eaLnBrk="1" latinLnBrk="0" hangingPunct="1">
-              <a:lnSpc>
-                <a:spcPct val="90000"/>
-              </a:lnSpc>
-              <a:spcBef>
-                <a:spcPts val="500"/>
-              </a:spcBef>
-              <a:buFont typeface="Arial"/>
-              <a:buChar char="•"/>
-              <a:defRPr sz="2400" b="0" i="0" kern="1200">
-                <a:solidFill>
-                  <a:schemeClr val="bg1"/>
-                </a:solidFill>
-                <a:latin typeface="Arial" charset="0"/>
-                <a:ea typeface="Arial" charset="0"/>
-                <a:cs typeface="Arial" charset="0"/>
-              </a:defRPr>
-            </a:lvl2pPr>
-            <a:lvl3pPr marL="1143000" indent="-228600" algn="l" defTabSz="914400" rtl="0" eaLnBrk="1" latinLnBrk="0" hangingPunct="1">
-              <a:lnSpc>
-                <a:spcPct val="90000"/>
-              </a:lnSpc>
-              <a:spcBef>
-                <a:spcPts val="500"/>
-              </a:spcBef>
-              <a:buFont typeface="Arial"/>
-              <a:buChar char="•"/>
-              <a:defRPr sz="2000" b="0" i="0" kern="1200">
-                <a:solidFill>
-                  <a:schemeClr val="bg1"/>
-                </a:solidFill>
-                <a:latin typeface="Arial" charset="0"/>
-                <a:ea typeface="Arial" charset="0"/>
-                <a:cs typeface="Arial" charset="0"/>
-              </a:defRPr>
-            </a:lvl3pPr>
-            <a:lvl4pPr marL="1600200" indent="-228600" algn="l" defTabSz="914400" rtl="0" eaLnBrk="1" latinLnBrk="0" hangingPunct="1">
-              <a:lnSpc>
-                <a:spcPct val="90000"/>
-              </a:lnSpc>
-              <a:spcBef>
-                <a:spcPts val="500"/>
-              </a:spcBef>
-              <a:buFont typeface="Arial"/>
-              <a:buChar char="•"/>
-              <a:defRPr sz="1800" b="0" i="0" kern="1200">
-                <a:solidFill>
-                  <a:schemeClr val="bg1"/>
-                </a:solidFill>
-                <a:latin typeface="Arial" charset="0"/>
-                <a:ea typeface="Arial" charset="0"/>
-                <a:cs typeface="Arial" charset="0"/>
-              </a:defRPr>
-            </a:lvl4pPr>
-            <a:lvl5pPr marL="2057400" indent="-228600" algn="l" defTabSz="914400" rtl="0" eaLnBrk="1" latinLnBrk="0" hangingPunct="1">
-              <a:lnSpc>
-                <a:spcPct val="90000"/>
-              </a:lnSpc>
-              <a:spcBef>
-                <a:spcPts val="500"/>
-              </a:spcBef>
-              <a:buFont typeface="Arial"/>
-              <a:buChar char="•"/>
-              <a:defRPr sz="1800" b="0" i="0" kern="1200">
-                <a:solidFill>
-                  <a:schemeClr val="bg1"/>
-                </a:solidFill>
-                <a:latin typeface="Arial" charset="0"/>
-                <a:ea typeface="Arial" charset="0"/>
-                <a:cs typeface="Arial" charset="0"/>
-              </a:defRPr>
-            </a:lvl5pPr>
-            <a:lvl6pPr marL="2514600" indent="-228600" algn="l" defTabSz="914400" rtl="0" eaLnBrk="1" latinLnBrk="0" hangingPunct="1">
-              <a:lnSpc>
-                <a:spcPct val="90000"/>
-              </a:lnSpc>
-              <a:spcBef>
-                <a:spcPts val="500"/>
-              </a:spcBef>
-              <a:buFont typeface="Arial"/>
-              <a:buChar char="•"/>
-              <a:defRPr sz="1800" kern="1200">
-                <a:solidFill>
-                  <a:schemeClr val="tx1"/>
-                </a:solidFill>
-                <a:latin typeface="+mn-lt"/>
-                <a:ea typeface="+mn-ea"/>
-                <a:cs typeface="+mn-cs"/>
-              </a:defRPr>
-            </a:lvl6pPr>
-            <a:lvl7pPr marL="2971800" indent="-228600" algn="l" defTabSz="914400" rtl="0" eaLnBrk="1" latinLnBrk="0" hangingPunct="1">
-              <a:lnSpc>
-                <a:spcPct val="90000"/>
-              </a:lnSpc>
-              <a:spcBef>
-                <a:spcPts val="500"/>
-              </a:spcBef>
-              <a:buFont typeface="Arial"/>
-              <a:buChar char="•"/>
-              <a:defRPr sz="1800" kern="1200">
-                <a:solidFill>
-                  <a:schemeClr val="tx1"/>
-                </a:solidFill>
-                <a:latin typeface="+mn-lt"/>
-                <a:ea typeface="+mn-ea"/>
-                <a:cs typeface="+mn-cs"/>
-              </a:defRPr>
-            </a:lvl7pPr>
-            <a:lvl8pPr marL="3429000" indent="-228600" algn="l" defTabSz="914400" rtl="0" eaLnBrk="1" latinLnBrk="0" hangingPunct="1">
-              <a:lnSpc>
-                <a:spcPct val="90000"/>
-              </a:lnSpc>
-              <a:spcBef>
-                <a:spcPts val="500"/>
-              </a:spcBef>
-              <a:buFont typeface="Arial"/>
-              <a:buChar char="•"/>
-              <a:defRPr sz="1800" kern="1200">
-                <a:solidFill>
-                  <a:schemeClr val="tx1"/>
-                </a:solidFill>
-                <a:latin typeface="+mn-lt"/>
-                <a:ea typeface="+mn-ea"/>
-                <a:cs typeface="+mn-cs"/>
-              </a:defRPr>
-            </a:lvl8pPr>
-            <a:lvl9pPr marL="3886200" indent="-228600" algn="l" defTabSz="914400" rtl="0" eaLnBrk="1" latinLnBrk="0" hangingPunct="1">
-              <a:lnSpc>
-                <a:spcPct val="90000"/>
-              </a:lnSpc>
-              <a:spcBef>
-                <a:spcPts val="500"/>
-              </a:spcBef>
-              <a:buFont typeface="Arial"/>
-              <a:buChar char="•"/>
-              <a:defRPr sz="1800" kern="1200">
-                <a:solidFill>
-                  <a:schemeClr val="tx1"/>
-                </a:solidFill>
-                <a:latin typeface="+mn-lt"/>
-                <a:ea typeface="+mn-ea"/>
-                <a:cs typeface="+mn-cs"/>
-              </a:defRPr>
-            </a:lvl9pPr>
-          </a:lstStyle>
-          <a:p>
-            <a:pPr fontAlgn="auto">
-              <a:spcAft>
-                <a:spcPts val="0"/>
-              </a:spcAft>
-            </a:pPr>
-            <a:r>
-              <a:rPr lang="en-US" dirty="0"/>
-              <a:t>Insert your subtitle or any additional description text here up to</a:t>
-            </a:r>
-            <a:br>
-              <a:rPr lang="en-US" dirty="0"/>
-            </a:br>
-            <a:r>
-              <a:rPr lang="en-US" dirty="0"/>
-              <a:t>two lines of text or you can delete this text box</a:t>
-            </a:r>
-          </a:p>
-        </p:txBody>
-      </p:sp>
-      <p:pic>
-        <p:nvPicPr>
-          <p:cNvPr id="16" name="Picture 15"/>
-          <p:cNvPicPr>
-            <a:picLocks noChangeAspect="1"/>
-          </p:cNvPicPr>
-          <p:nvPr/>
-        </p:nvPicPr>
-        <p:blipFill>
-          <a:blip r:embed="rId3">
-            <a:extLst>
-              <a:ext uri="{28A0092B-C50C-407E-A947-70E740481C1C}">
-                <a14:useLocalDpi xmlns:a14="http://schemas.microsoft.com/office/drawing/2010/main" val="0"/>
-              </a:ext>
-            </a:extLst>
-          </a:blip>
-          <a:stretch>
-            <a:fillRect/>
-          </a:stretch>
-        </p:blipFill>
-        <p:spPr>
-          <a:xfrm>
-            <a:off x="6978699" y="320040"/>
-            <a:ext cx="1877397" cy="914400"/>
-          </a:xfrm>
-          <a:prstGeom prst="rect">
-            <a:avLst/>
-          </a:prstGeom>
-        </p:spPr>
-      </p:pic>
-    </p:spTree>
-    <p:extLst>
-      <p:ext uri="{BB962C8B-B14F-4D97-AF65-F5344CB8AC3E}">
-        <p14:creationId xmlns:p14="http://schemas.microsoft.com/office/powerpoint/2010/main" val="779105462"/>
-      </p:ext>
-    </p:extLst>
-  </p:cSld>
-  <p:clrMapOvr>
-    <a:masterClrMapping/>
-  </p:clrMapOvr>
-</p:sld>
-</file>
-
-<file path=ppt/slides/slide5.xml><?xml version="1.0" encoding="utf-8"?>
 <p:sld xmlns:a="http://schemas.openxmlformats.org/drawingml/2006/main" xmlns:r="http://schemas.openxmlformats.org/officeDocument/2006/relationships" xmlns:p="http://schemas.openxmlformats.org/presentationml/2006/main">
   <p:cSld>
     <p:bg>
@@ -10523,7 +7838,7 @@
 </p:sld>
 </file>
 
-<file path=ppt/slides/slide6.xml><?xml version="1.0" encoding="utf-8"?>
+<file path=ppt/slides/slide3.xml><?xml version="1.0" encoding="utf-8"?>
 <p:sld xmlns:a="http://schemas.openxmlformats.org/drawingml/2006/main" xmlns:r="http://schemas.openxmlformats.org/officeDocument/2006/relationships" xmlns:p="http://schemas.openxmlformats.org/presentationml/2006/main">
   <p:cSld>
     <p:spTree>
@@ -10591,7 +7906,7 @@
 </p:sld>
 </file>
 
-<file path=ppt/slides/slide7.xml><?xml version="1.0" encoding="utf-8"?>
+<file path=ppt/slides/slide4.xml><?xml version="1.0" encoding="utf-8"?>
 <p:sld xmlns:a="http://schemas.openxmlformats.org/drawingml/2006/main" xmlns:r="http://schemas.openxmlformats.org/officeDocument/2006/relationships" xmlns:p="http://schemas.openxmlformats.org/presentationml/2006/main">
   <p:cSld>
     <p:spTree>
@@ -10671,7 +7986,7 @@
 </p:sld>
 </file>
 
-<file path=ppt/slides/slide8.xml><?xml version="1.0" encoding="utf-8"?>
+<file path=ppt/slides/slide5.xml><?xml version="1.0" encoding="utf-8"?>
 <p:sld xmlns:a="http://schemas.openxmlformats.org/drawingml/2006/main" xmlns:r="http://schemas.openxmlformats.org/officeDocument/2006/relationships" xmlns:p="http://schemas.openxmlformats.org/presentationml/2006/main">
   <p:cSld>
     <p:spTree>
